--- a/fig/cnn_preliminary.pptx
+++ b/fig/cnn_preliminary.pptx
@@ -104,6 +104,11 @@
       </a:defRPr>
     </a:lvl9pPr>
   </p:defaultTextStyle>
+  <p:extLst>
+    <p:ext uri="{EFAFB233-063F-42B5-8137-9DF3F51BA10A}">
+      <p15:sldGuideLst xmlns:p15="http://schemas.microsoft.com/office/powerpoint/2012/main"/>
+    </p:ext>
+  </p:extLst>
 </p:presentation>
 </file>
 
@@ -121,7 +126,58 @@
     </mc:Fallback>
   </mc:AlternateContent>
   <c:chart>
-    <c:autoTitleDeleted val="1"/>
+    <c:title>
+      <c:tx>
+        <c:rich>
+          <a:bodyPr rot="0" spcFirstLastPara="1" vertOverflow="ellipsis" vert="horz" wrap="square" anchor="ctr" anchorCtr="1"/>
+          <a:lstStyle/>
+          <a:p>
+            <a:pPr>
+              <a:defRPr sz="1800" b="1" i="0" u="none" strike="noStrike" kern="1200" spc="0" baseline="0">
+                <a:solidFill>
+                  <a:schemeClr val="tx1">
+                    <a:lumMod val="95000"/>
+                    <a:lumOff val="5000"/>
+                  </a:schemeClr>
+                </a:solidFill>
+                <a:latin typeface="+mn-lt"/>
+                <a:ea typeface="+mn-ea"/>
+                <a:cs typeface="+mn-cs"/>
+              </a:defRPr>
+            </a:pPr>
+            <a:r>
+              <a:rPr lang="en-US" altLang="zh-CN" sz="1800" b="1" dirty="0">
+                <a:solidFill>
+                  <a:schemeClr val="tx1">
+                    <a:lumMod val="95000"/>
+                    <a:lumOff val="5000"/>
+                  </a:schemeClr>
+                </a:solidFill>
+              </a:rPr>
+              <a:t>parameter of VGG-11</a:t>
+            </a:r>
+            <a:endParaRPr lang="zh-CN" altLang="en-US" sz="1800" b="1" dirty="0">
+              <a:solidFill>
+                <a:schemeClr val="tx1">
+                  <a:lumMod val="95000"/>
+                  <a:lumOff val="5000"/>
+                </a:schemeClr>
+              </a:solidFill>
+            </a:endParaRPr>
+          </a:p>
+        </c:rich>
+      </c:tx>
+      <c:layout/>
+      <c:overlay val="0"/>
+      <c:spPr>
+        <a:noFill/>
+        <a:ln>
+          <a:noFill/>
+        </a:ln>
+        <a:effectLst/>
+      </c:spPr>
+    </c:title>
+    <c:autoTitleDeleted val="0"/>
     <c:plotArea>
       <c:layout/>
       <c:pieChart>
@@ -129,23 +185,15 @@
         <c:ser>
           <c:idx val="0"/>
           <c:order val="0"/>
-          <c:tx>
-            <c:strRef>
-              <c:f>Sheet1!$B$1</c:f>
-              <c:strCache>
-                <c:ptCount val="1"/>
-                <c:pt idx="0">
-                  <c:v>计算量</c:v>
-                </c:pt>
-              </c:strCache>
-            </c:strRef>
-          </c:tx>
           <c:dPt>
             <c:idx val="0"/>
             <c:bubble3D val="0"/>
             <c:spPr>
               <a:solidFill>
-                <a:schemeClr val="accent1"/>
+                <a:schemeClr val="accent6">
+                  <a:lumMod val="75000"/>
+                  <a:alpha val="50000"/>
+                </a:schemeClr>
               </a:solidFill>
               <a:ln w="19050">
                 <a:solidFill>
@@ -156,7 +204,7 @@
             </c:spPr>
             <c:extLst>
               <c:ext xmlns:c16="http://schemas.microsoft.com/office/drawing/2014/chart" uri="{C3380CC4-5D6E-409C-BE32-E72D297353CC}">
-                <c16:uniqueId val="{00000001-FA42-40D6-BC41-5F3E10F5FE42}"/>
+                <c16:uniqueId val="{00000001-3540-45B9-8224-EEB07155B389}"/>
               </c:ext>
             </c:extLst>
           </c:dPt>
@@ -165,7 +213,10 @@
             <c:bubble3D val="0"/>
             <c:spPr>
               <a:solidFill>
-                <a:schemeClr val="accent2"/>
+                <a:schemeClr val="accent1">
+                  <a:lumMod val="75000"/>
+                  <a:alpha val="50000"/>
+                </a:schemeClr>
               </a:solidFill>
               <a:ln w="19050">
                 <a:solidFill>
@@ -174,6 +225,11 @@
               </a:ln>
               <a:effectLst/>
             </c:spPr>
+            <c:extLst>
+              <c:ext xmlns:c16="http://schemas.microsoft.com/office/drawing/2014/chart" uri="{C3380CC4-5D6E-409C-BE32-E72D297353CC}">
+                <c16:uniqueId val="{00000003-3540-45B9-8224-EEB07155B389}"/>
+              </c:ext>
+            </c:extLst>
           </c:dPt>
           <c:dPt>
             <c:idx val="2"/>
@@ -189,12 +245,37 @@
               </a:ln>
               <a:effectLst/>
             </c:spPr>
+            <c:extLst>
+              <c:ext xmlns:c16="http://schemas.microsoft.com/office/drawing/2014/chart" uri="{C3380CC4-5D6E-409C-BE32-E72D297353CC}">
+                <c16:uniqueId val="{00000005-3540-45B9-8224-EEB07155B389}"/>
+              </c:ext>
+            </c:extLst>
+          </c:dPt>
+          <c:dPt>
+            <c:idx val="3"/>
+            <c:bubble3D val="0"/>
+            <c:spPr>
+              <a:solidFill>
+                <a:schemeClr val="accent4"/>
+              </a:solidFill>
+              <a:ln w="19050">
+                <a:solidFill>
+                  <a:schemeClr val="lt1"/>
+                </a:solidFill>
+              </a:ln>
+              <a:effectLst/>
+            </c:spPr>
+            <c:extLst>
+              <c:ext xmlns:c16="http://schemas.microsoft.com/office/drawing/2014/chart" uri="{C3380CC4-5D6E-409C-BE32-E72D297353CC}">
+                <c16:uniqueId val="{00000007-3540-45B9-8224-EEB07155B389}"/>
+              </c:ext>
+            </c:extLst>
           </c:dPt>
           <c:cat>
             <c:strRef>
-              <c:f>Sheet1!$A$2:$A$4</c:f>
+              <c:f>VGG!$L$2:$O$2</c:f>
               <c:strCache>
-                <c:ptCount val="3"/>
+                <c:ptCount val="4"/>
                 <c:pt idx="0">
                   <c:v>CONV</c:v>
                 </c:pt>
@@ -202,32 +283,38 @@
                   <c:v>FC</c:v>
                 </c:pt>
                 <c:pt idx="2">
-                  <c:v>others</c:v>
+                  <c:v>POOL</c:v>
+                </c:pt>
+                <c:pt idx="3">
+                  <c:v>RELU</c:v>
                 </c:pt>
               </c:strCache>
             </c:strRef>
           </c:cat>
           <c:val>
             <c:numRef>
-              <c:f>Sheet1!$B$2:$B$4</c:f>
+              <c:f>VGG!$L$3:$O$3</c:f>
               <c:numCache>
                 <c:formatCode>General</c:formatCode>
-                <c:ptCount val="3"/>
+                <c:ptCount val="4"/>
                 <c:pt idx="0">
-                  <c:v>8.1999999999999993</c:v>
+                  <c:v>9217728</c:v>
                 </c:pt>
                 <c:pt idx="1">
-                  <c:v>3.2</c:v>
+                  <c:v>123633664</c:v>
                 </c:pt>
                 <c:pt idx="2">
-                  <c:v>1.4</c:v>
+                  <c:v>0</c:v>
+                </c:pt>
+                <c:pt idx="3">
+                  <c:v>0</c:v>
                 </c:pt>
               </c:numCache>
             </c:numRef>
           </c:val>
           <c:extLst>
             <c:ext xmlns:c16="http://schemas.microsoft.com/office/drawing/2014/chart" uri="{C3380CC4-5D6E-409C-BE32-E72D297353CC}">
-              <c16:uniqueId val="{00000000-FA42-40D6-BC41-5F3E10F5FE42}"/>
+              <c16:uniqueId val="{00000008-3540-45B9-8224-EEB07155B389}"/>
             </c:ext>
           </c:extLst>
         </c:ser>
@@ -238,7 +325,7 @@
           <c:showSerName val="0"/>
           <c:showPercent val="0"/>
           <c:showBubbleSize val="0"/>
-          <c:showLeaderLines val="1"/>
+          <c:showLeaderLines val="0"/>
         </c:dLbls>
         <c:firstSliceAng val="0"/>
       </c:pieChart>
@@ -250,38 +337,6 @@
         <a:effectLst/>
       </c:spPr>
     </c:plotArea>
-    <c:legend>
-      <c:legendPos val="b"/>
-      <c:layout/>
-      <c:overlay val="0"/>
-      <c:spPr>
-        <a:noFill/>
-        <a:ln>
-          <a:noFill/>
-        </a:ln>
-        <a:effectLst/>
-      </c:spPr>
-      <c:txPr>
-        <a:bodyPr rot="0" spcFirstLastPara="1" vertOverflow="ellipsis" vert="horz" wrap="square" anchor="ctr" anchorCtr="1"/>
-        <a:lstStyle/>
-        <a:p>
-          <a:pPr>
-            <a:defRPr sz="1197" b="0" i="0" u="none" strike="noStrike" kern="1200" baseline="0">
-              <a:solidFill>
-                <a:schemeClr val="tx1">
-                  <a:lumMod val="65000"/>
-                  <a:lumOff val="35000"/>
-                </a:schemeClr>
-              </a:solidFill>
-              <a:latin typeface="+mn-lt"/>
-              <a:ea typeface="+mn-ea"/>
-              <a:cs typeface="+mn-cs"/>
-            </a:defRPr>
-          </a:pPr>
-          <a:endParaRPr lang="zh-CN"/>
-        </a:p>
-      </c:txPr>
-    </c:legend>
     <c:plotVisOnly val="1"/>
     <c:dispBlanksAs val="gap"/>
     <c:showDLblsOverMax val="0"/>
@@ -303,7 +358,7 @@
       <a:endParaRPr lang="zh-CN"/>
     </a:p>
   </c:txPr>
-  <c:externalData r:id="rId3">
+  <c:externalData r:id="rId1">
     <c:autoUpdate val="0"/>
   </c:externalData>
 </c:chartSpace>
@@ -323,7 +378,58 @@
     </mc:Fallback>
   </mc:AlternateContent>
   <c:chart>
-    <c:autoTitleDeleted val="1"/>
+    <c:title>
+      <c:tx>
+        <c:rich>
+          <a:bodyPr rot="0" spcFirstLastPara="1" vertOverflow="ellipsis" vert="horz" wrap="square" anchor="ctr" anchorCtr="1"/>
+          <a:lstStyle/>
+          <a:p>
+            <a:pPr>
+              <a:defRPr sz="1800" b="1" i="0" u="none" strike="noStrike" kern="1200" spc="0" baseline="0">
+                <a:solidFill>
+                  <a:schemeClr val="tx1">
+                    <a:lumMod val="95000"/>
+                    <a:lumOff val="5000"/>
+                  </a:schemeClr>
+                </a:solidFill>
+                <a:latin typeface="+mn-lt"/>
+                <a:ea typeface="+mn-ea"/>
+                <a:cs typeface="+mn-cs"/>
+              </a:defRPr>
+            </a:pPr>
+            <a:r>
+              <a:rPr lang="en-US" altLang="zh-CN" sz="1800" b="1">
+                <a:solidFill>
+                  <a:schemeClr val="tx1">
+                    <a:lumMod val="95000"/>
+                    <a:lumOff val="5000"/>
+                  </a:schemeClr>
+                </a:solidFill>
+              </a:rPr>
+              <a:t>operations of VGG-11</a:t>
+            </a:r>
+            <a:endParaRPr lang="zh-CN" altLang="en-US" sz="1800" b="1">
+              <a:solidFill>
+                <a:schemeClr val="tx1">
+                  <a:lumMod val="95000"/>
+                  <a:lumOff val="5000"/>
+                </a:schemeClr>
+              </a:solidFill>
+            </a:endParaRPr>
+          </a:p>
+        </c:rich>
+      </c:tx>
+      <c:layout/>
+      <c:overlay val="0"/>
+      <c:spPr>
+        <a:noFill/>
+        <a:ln>
+          <a:noFill/>
+        </a:ln>
+        <a:effectLst/>
+      </c:spPr>
+    </c:title>
+    <c:autoTitleDeleted val="0"/>
     <c:plotArea>
       <c:layout/>
       <c:pieChart>
@@ -331,23 +437,15 @@
         <c:ser>
           <c:idx val="0"/>
           <c:order val="0"/>
-          <c:tx>
-            <c:strRef>
-              <c:f>Sheet1!$B$1</c:f>
-              <c:strCache>
-                <c:ptCount val="1"/>
-                <c:pt idx="0">
-                  <c:v>计算量</c:v>
-                </c:pt>
-              </c:strCache>
-            </c:strRef>
-          </c:tx>
           <c:dPt>
             <c:idx val="0"/>
             <c:bubble3D val="0"/>
             <c:spPr>
               <a:solidFill>
-                <a:schemeClr val="accent1"/>
+                <a:schemeClr val="accent6">
+                  <a:lumMod val="75000"/>
+                  <a:alpha val="50000"/>
+                </a:schemeClr>
               </a:solidFill>
               <a:ln w="19050">
                 <a:solidFill>
@@ -358,7 +456,7 @@
             </c:spPr>
             <c:extLst>
               <c:ext xmlns:c16="http://schemas.microsoft.com/office/drawing/2014/chart" uri="{C3380CC4-5D6E-409C-BE32-E72D297353CC}">
-                <c16:uniqueId val="{00000001-B54C-4E5C-9DBD-F0A66C1D4035}"/>
+                <c16:uniqueId val="{00000001-8F36-40E7-9E79-3B0151B91B54}"/>
               </c:ext>
             </c:extLst>
           </c:dPt>
@@ -367,7 +465,10 @@
             <c:bubble3D val="0"/>
             <c:spPr>
               <a:solidFill>
-                <a:schemeClr val="accent2"/>
+                <a:schemeClr val="accent1">
+                  <a:lumMod val="75000"/>
+                  <a:alpha val="50000"/>
+                </a:schemeClr>
               </a:solidFill>
               <a:ln w="19050">
                 <a:solidFill>
@@ -378,7 +479,7 @@
             </c:spPr>
             <c:extLst>
               <c:ext xmlns:c16="http://schemas.microsoft.com/office/drawing/2014/chart" uri="{C3380CC4-5D6E-409C-BE32-E72D297353CC}">
-                <c16:uniqueId val="{00000003-B54C-4E5C-9DBD-F0A66C1D4035}"/>
+                <c16:uniqueId val="{00000003-8F36-40E7-9E79-3B0151B91B54}"/>
               </c:ext>
             </c:extLst>
           </c:dPt>
@@ -398,15 +499,35 @@
             </c:spPr>
             <c:extLst>
               <c:ext xmlns:c16="http://schemas.microsoft.com/office/drawing/2014/chart" uri="{C3380CC4-5D6E-409C-BE32-E72D297353CC}">
-                <c16:uniqueId val="{00000005-B54C-4E5C-9DBD-F0A66C1D4035}"/>
+                <c16:uniqueId val="{00000005-8F36-40E7-9E79-3B0151B91B54}"/>
+              </c:ext>
+            </c:extLst>
+          </c:dPt>
+          <c:dPt>
+            <c:idx val="3"/>
+            <c:bubble3D val="0"/>
+            <c:spPr>
+              <a:solidFill>
+                <a:schemeClr val="accent4"/>
+              </a:solidFill>
+              <a:ln w="19050">
+                <a:solidFill>
+                  <a:schemeClr val="lt1"/>
+                </a:solidFill>
+              </a:ln>
+              <a:effectLst/>
+            </c:spPr>
+            <c:extLst>
+              <c:ext xmlns:c16="http://schemas.microsoft.com/office/drawing/2014/chart" uri="{C3380CC4-5D6E-409C-BE32-E72D297353CC}">
+                <c16:uniqueId val="{00000007-8F36-40E7-9E79-3B0151B91B54}"/>
               </c:ext>
             </c:extLst>
           </c:dPt>
           <c:cat>
             <c:strRef>
-              <c:f>Sheet1!$A$2:$A$4</c:f>
+              <c:f>VGG!$L$2:$O$2</c:f>
               <c:strCache>
-                <c:ptCount val="3"/>
+                <c:ptCount val="4"/>
                 <c:pt idx="0">
                   <c:v>CONV</c:v>
                 </c:pt>
@@ -414,32 +535,38 @@
                   <c:v>FC</c:v>
                 </c:pt>
                 <c:pt idx="2">
-                  <c:v>others</c:v>
+                  <c:v>POOL</c:v>
+                </c:pt>
+                <c:pt idx="3">
+                  <c:v>RELU</c:v>
                 </c:pt>
               </c:strCache>
             </c:strRef>
           </c:cat>
           <c:val>
             <c:numRef>
-              <c:f>Sheet1!$B$2:$B$4</c:f>
+              <c:f>VGG!$L$4:$O$4</c:f>
               <c:numCache>
                 <c:formatCode>General</c:formatCode>
-                <c:ptCount val="3"/>
+                <c:ptCount val="4"/>
                 <c:pt idx="0">
-                  <c:v>8.1999999999999993</c:v>
+                  <c:v>7485456384</c:v>
                 </c:pt>
                 <c:pt idx="1">
-                  <c:v>3.2</c:v>
+                  <c:v>123633664</c:v>
                 </c:pt>
                 <c:pt idx="2">
-                  <c:v>1.4</c:v>
+                  <c:v>6121472</c:v>
+                </c:pt>
+                <c:pt idx="3">
+                  <c:v>7435240</c:v>
                 </c:pt>
               </c:numCache>
             </c:numRef>
           </c:val>
           <c:extLst>
             <c:ext xmlns:c16="http://schemas.microsoft.com/office/drawing/2014/chart" uri="{C3380CC4-5D6E-409C-BE32-E72D297353CC}">
-              <c16:uniqueId val="{00000006-B54C-4E5C-9DBD-F0A66C1D4035}"/>
+              <c16:uniqueId val="{00000008-8F36-40E7-9E79-3B0151B91B54}"/>
             </c:ext>
           </c:extLst>
         </c:ser>
@@ -450,7 +577,7 @@
           <c:showSerName val="0"/>
           <c:showPercent val="0"/>
           <c:showBubbleSize val="0"/>
-          <c:showLeaderLines val="1"/>
+          <c:showLeaderLines val="0"/>
         </c:dLbls>
         <c:firstSliceAng val="0"/>
       </c:pieChart>
@@ -462,38 +589,6 @@
         <a:effectLst/>
       </c:spPr>
     </c:plotArea>
-    <c:legend>
-      <c:legendPos val="b"/>
-      <c:layout/>
-      <c:overlay val="0"/>
-      <c:spPr>
-        <a:noFill/>
-        <a:ln>
-          <a:noFill/>
-        </a:ln>
-        <a:effectLst/>
-      </c:spPr>
-      <c:txPr>
-        <a:bodyPr rot="0" spcFirstLastPara="1" vertOverflow="ellipsis" vert="horz" wrap="square" anchor="ctr" anchorCtr="1"/>
-        <a:lstStyle/>
-        <a:p>
-          <a:pPr>
-            <a:defRPr sz="1197" b="0" i="0" u="none" strike="noStrike" kern="1200" baseline="0">
-              <a:solidFill>
-                <a:schemeClr val="tx1">
-                  <a:lumMod val="65000"/>
-                  <a:lumOff val="35000"/>
-                </a:schemeClr>
-              </a:solidFill>
-              <a:latin typeface="+mn-lt"/>
-              <a:ea typeface="+mn-ea"/>
-              <a:cs typeface="+mn-cs"/>
-            </a:defRPr>
-          </a:pPr>
-          <a:endParaRPr lang="zh-CN"/>
-        </a:p>
-      </c:txPr>
-    </c:legend>
     <c:plotVisOnly val="1"/>
     <c:dispBlanksAs val="gap"/>
     <c:showDLblsOverMax val="0"/>
@@ -515,1128 +610,10 @@
       <a:endParaRPr lang="zh-CN"/>
     </a:p>
   </c:txPr>
-  <c:externalData r:id="rId3">
+  <c:externalData r:id="rId1">
     <c:autoUpdate val="0"/>
   </c:externalData>
 </c:chartSpace>
-</file>
-
-<file path=ppt/charts/colors1.xml><?xml version="1.0" encoding="utf-8"?>
-<cs:colorStyle xmlns:cs="http://schemas.microsoft.com/office/drawing/2012/chartStyle" xmlns:a="http://schemas.openxmlformats.org/drawingml/2006/main" meth="cycle" id="10">
-  <a:schemeClr val="accent1"/>
-  <a:schemeClr val="accent2"/>
-  <a:schemeClr val="accent3"/>
-  <a:schemeClr val="accent4"/>
-  <a:schemeClr val="accent5"/>
-  <a:schemeClr val="accent6"/>
-  <cs:variation/>
-  <cs:variation>
-    <a:lumMod val="60000"/>
-  </cs:variation>
-  <cs:variation>
-    <a:lumMod val="80000"/>
-    <a:lumOff val="20000"/>
-  </cs:variation>
-  <cs:variation>
-    <a:lumMod val="80000"/>
-  </cs:variation>
-  <cs:variation>
-    <a:lumMod val="60000"/>
-    <a:lumOff val="40000"/>
-  </cs:variation>
-  <cs:variation>
-    <a:lumMod val="50000"/>
-  </cs:variation>
-  <cs:variation>
-    <a:lumMod val="70000"/>
-    <a:lumOff val="30000"/>
-  </cs:variation>
-  <cs:variation>
-    <a:lumMod val="70000"/>
-  </cs:variation>
-  <cs:variation>
-    <a:lumMod val="50000"/>
-    <a:lumOff val="50000"/>
-  </cs:variation>
-</cs:colorStyle>
-</file>
-
-<file path=ppt/charts/colors2.xml><?xml version="1.0" encoding="utf-8"?>
-<cs:colorStyle xmlns:cs="http://schemas.microsoft.com/office/drawing/2012/chartStyle" xmlns:a="http://schemas.openxmlformats.org/drawingml/2006/main" meth="cycle" id="10">
-  <a:schemeClr val="accent1"/>
-  <a:schemeClr val="accent2"/>
-  <a:schemeClr val="accent3"/>
-  <a:schemeClr val="accent4"/>
-  <a:schemeClr val="accent5"/>
-  <a:schemeClr val="accent6"/>
-  <cs:variation/>
-  <cs:variation>
-    <a:lumMod val="60000"/>
-  </cs:variation>
-  <cs:variation>
-    <a:lumMod val="80000"/>
-    <a:lumOff val="20000"/>
-  </cs:variation>
-  <cs:variation>
-    <a:lumMod val="80000"/>
-  </cs:variation>
-  <cs:variation>
-    <a:lumMod val="60000"/>
-    <a:lumOff val="40000"/>
-  </cs:variation>
-  <cs:variation>
-    <a:lumMod val="50000"/>
-  </cs:variation>
-  <cs:variation>
-    <a:lumMod val="70000"/>
-    <a:lumOff val="30000"/>
-  </cs:variation>
-  <cs:variation>
-    <a:lumMod val="70000"/>
-  </cs:variation>
-  <cs:variation>
-    <a:lumMod val="50000"/>
-    <a:lumOff val="50000"/>
-  </cs:variation>
-</cs:colorStyle>
-</file>
-
-<file path=ppt/charts/style1.xml><?xml version="1.0" encoding="utf-8"?>
-<cs:chartStyle xmlns:cs="http://schemas.microsoft.com/office/drawing/2012/chartStyle" xmlns:a="http://schemas.openxmlformats.org/drawingml/2006/main" id="251">
-  <cs:axisTitle>
-    <cs:lnRef idx="0"/>
-    <cs:fillRef idx="0"/>
-    <cs:effectRef idx="0"/>
-    <cs:fontRef idx="minor">
-      <a:schemeClr val="tx1">
-        <a:lumMod val="65000"/>
-        <a:lumOff val="35000"/>
-      </a:schemeClr>
-    </cs:fontRef>
-    <cs:defRPr sz="1330" kern="1200"/>
-  </cs:axisTitle>
-  <cs:categoryAxis>
-    <cs:lnRef idx="0"/>
-    <cs:fillRef idx="0"/>
-    <cs:effectRef idx="0"/>
-    <cs:fontRef idx="minor">
-      <a:schemeClr val="tx1">
-        <a:lumMod val="65000"/>
-        <a:lumOff val="35000"/>
-      </a:schemeClr>
-    </cs:fontRef>
-    <cs:spPr>
-      <a:ln w="9525" cap="flat" cmpd="sng" algn="ctr">
-        <a:solidFill>
-          <a:schemeClr val="tx1">
-            <a:lumMod val="15000"/>
-            <a:lumOff val="85000"/>
-          </a:schemeClr>
-        </a:solidFill>
-        <a:round/>
-      </a:ln>
-    </cs:spPr>
-    <cs:defRPr sz="1197" kern="1200"/>
-  </cs:categoryAxis>
-  <cs:chartArea mods="allowNoFillOverride allowNoLineOverride">
-    <cs:lnRef idx="0"/>
-    <cs:fillRef idx="0"/>
-    <cs:effectRef idx="0"/>
-    <cs:fontRef idx="minor">
-      <a:schemeClr val="tx1"/>
-    </cs:fontRef>
-    <cs:spPr>
-      <a:solidFill>
-        <a:schemeClr val="bg1"/>
-      </a:solidFill>
-      <a:ln w="9525" cap="flat" cmpd="sng" algn="ctr">
-        <a:solidFill>
-          <a:schemeClr val="tx1">
-            <a:lumMod val="15000"/>
-            <a:lumOff val="85000"/>
-          </a:schemeClr>
-        </a:solidFill>
-        <a:round/>
-      </a:ln>
-    </cs:spPr>
-    <cs:defRPr sz="1197" kern="1200"/>
-  </cs:chartArea>
-  <cs:dataLabel>
-    <cs:lnRef idx="0"/>
-    <cs:fillRef idx="0"/>
-    <cs:effectRef idx="0"/>
-    <cs:fontRef idx="minor">
-      <a:schemeClr val="tx1">
-        <a:lumMod val="75000"/>
-        <a:lumOff val="25000"/>
-      </a:schemeClr>
-    </cs:fontRef>
-    <cs:defRPr sz="1197" kern="1200"/>
-  </cs:dataLabel>
-  <cs:dataLabelCallout>
-    <cs:lnRef idx="0"/>
-    <cs:fillRef idx="0"/>
-    <cs:effectRef idx="0"/>
-    <cs:fontRef idx="minor">
-      <a:schemeClr val="dk1">
-        <a:lumMod val="65000"/>
-        <a:lumOff val="35000"/>
-      </a:schemeClr>
-    </cs:fontRef>
-    <cs:spPr>
-      <a:solidFill>
-        <a:schemeClr val="lt1"/>
-      </a:solidFill>
-      <a:ln>
-        <a:solidFill>
-          <a:schemeClr val="dk1">
-            <a:lumMod val="25000"/>
-            <a:lumOff val="75000"/>
-          </a:schemeClr>
-        </a:solidFill>
-      </a:ln>
-    </cs:spPr>
-    <cs:defRPr sz="1197" kern="1200"/>
-    <cs:bodyPr rot="0" spcFirstLastPara="1" vertOverflow="clip" horzOverflow="clip" vert="horz" wrap="square" lIns="36576" tIns="18288" rIns="36576" bIns="18288" anchor="ctr" anchorCtr="1">
-      <a:spAutoFit/>
-    </cs:bodyPr>
-  </cs:dataLabelCallout>
-  <cs:dataPoint>
-    <cs:lnRef idx="0"/>
-    <cs:fillRef idx="1">
-      <cs:styleClr val="auto"/>
-    </cs:fillRef>
-    <cs:effectRef idx="0"/>
-    <cs:fontRef idx="minor">
-      <a:schemeClr val="tx1"/>
-    </cs:fontRef>
-    <cs:spPr>
-      <a:ln w="19050">
-        <a:solidFill>
-          <a:schemeClr val="lt1"/>
-        </a:solidFill>
-      </a:ln>
-    </cs:spPr>
-  </cs:dataPoint>
-  <cs:dataPoint3D>
-    <cs:lnRef idx="0"/>
-    <cs:fillRef idx="1">
-      <cs:styleClr val="auto"/>
-    </cs:fillRef>
-    <cs:effectRef idx="0"/>
-    <cs:fontRef idx="minor">
-      <a:schemeClr val="tx1"/>
-    </cs:fontRef>
-    <cs:spPr>
-      <a:ln w="25400">
-        <a:solidFill>
-          <a:schemeClr val="lt1"/>
-        </a:solidFill>
-      </a:ln>
-    </cs:spPr>
-  </cs:dataPoint3D>
-  <cs:dataPointLine>
-    <cs:lnRef idx="0">
-      <cs:styleClr val="auto"/>
-    </cs:lnRef>
-    <cs:fillRef idx="0"/>
-    <cs:effectRef idx="0"/>
-    <cs:fontRef idx="minor">
-      <a:schemeClr val="tx1"/>
-    </cs:fontRef>
-    <cs:spPr>
-      <a:ln w="28575" cap="rnd">
-        <a:solidFill>
-          <a:schemeClr val="phClr"/>
-        </a:solidFill>
-        <a:round/>
-      </a:ln>
-    </cs:spPr>
-  </cs:dataPointLine>
-  <cs:dataPointMarker>
-    <cs:lnRef idx="0">
-      <cs:styleClr val="auto"/>
-    </cs:lnRef>
-    <cs:fillRef idx="1">
-      <cs:styleClr val="auto"/>
-    </cs:fillRef>
-    <cs:effectRef idx="0"/>
-    <cs:fontRef idx="minor">
-      <a:schemeClr val="tx1"/>
-    </cs:fontRef>
-    <cs:spPr>
-      <a:ln w="9525">
-        <a:solidFill>
-          <a:schemeClr val="phClr"/>
-        </a:solidFill>
-      </a:ln>
-    </cs:spPr>
-  </cs:dataPointMarker>
-  <cs:dataPointMarkerLayout symbol="circle" size="5"/>
-  <cs:dataPointWireframe>
-    <cs:lnRef idx="0">
-      <cs:styleClr val="auto"/>
-    </cs:lnRef>
-    <cs:fillRef idx="0"/>
-    <cs:effectRef idx="0"/>
-    <cs:fontRef idx="minor">
-      <a:schemeClr val="tx1"/>
-    </cs:fontRef>
-    <cs:spPr>
-      <a:ln w="9525" cap="rnd">
-        <a:solidFill>
-          <a:schemeClr val="phClr"/>
-        </a:solidFill>
-        <a:round/>
-      </a:ln>
-    </cs:spPr>
-  </cs:dataPointWireframe>
-  <cs:dataTable>
-    <cs:lnRef idx="0"/>
-    <cs:fillRef idx="0"/>
-    <cs:effectRef idx="0"/>
-    <cs:fontRef idx="minor">
-      <a:schemeClr val="tx1">
-        <a:lumMod val="65000"/>
-        <a:lumOff val="35000"/>
-      </a:schemeClr>
-    </cs:fontRef>
-    <cs:spPr>
-      <a:noFill/>
-      <a:ln w="9525" cap="flat" cmpd="sng" algn="ctr">
-        <a:solidFill>
-          <a:schemeClr val="tx1">
-            <a:lumMod val="15000"/>
-            <a:lumOff val="85000"/>
-          </a:schemeClr>
-        </a:solidFill>
-        <a:round/>
-      </a:ln>
-    </cs:spPr>
-    <cs:defRPr sz="1197" kern="1200"/>
-  </cs:dataTable>
-  <cs:downBar>
-    <cs:lnRef idx="0"/>
-    <cs:fillRef idx="0"/>
-    <cs:effectRef idx="0"/>
-    <cs:fontRef idx="minor">
-      <a:schemeClr val="tx1"/>
-    </cs:fontRef>
-    <cs:spPr>
-      <a:solidFill>
-        <a:schemeClr val="dk1">
-          <a:lumMod val="75000"/>
-          <a:lumOff val="25000"/>
-        </a:schemeClr>
-      </a:solidFill>
-      <a:ln w="9525" cap="flat" cmpd="sng" algn="ctr">
-        <a:solidFill>
-          <a:schemeClr val="tx1">
-            <a:lumMod val="65000"/>
-            <a:lumOff val="35000"/>
-          </a:schemeClr>
-        </a:solidFill>
-        <a:round/>
-      </a:ln>
-    </cs:spPr>
-  </cs:downBar>
-  <cs:dropLine>
-    <cs:lnRef idx="0"/>
-    <cs:fillRef idx="0"/>
-    <cs:effectRef idx="0"/>
-    <cs:fontRef idx="minor">
-      <a:schemeClr val="tx1"/>
-    </cs:fontRef>
-    <cs:spPr>
-      <a:ln w="9525" cap="flat" cmpd="sng" algn="ctr">
-        <a:solidFill>
-          <a:schemeClr val="tx1">
-            <a:lumMod val="35000"/>
-            <a:lumOff val="65000"/>
-          </a:schemeClr>
-        </a:solidFill>
-        <a:round/>
-      </a:ln>
-    </cs:spPr>
-  </cs:dropLine>
-  <cs:errorBar>
-    <cs:lnRef idx="0"/>
-    <cs:fillRef idx="0"/>
-    <cs:effectRef idx="0"/>
-    <cs:fontRef idx="minor">
-      <a:schemeClr val="tx1"/>
-    </cs:fontRef>
-    <cs:spPr>
-      <a:ln w="9525" cap="flat" cmpd="sng" algn="ctr">
-        <a:solidFill>
-          <a:schemeClr val="tx1">
-            <a:lumMod val="65000"/>
-            <a:lumOff val="35000"/>
-          </a:schemeClr>
-        </a:solidFill>
-        <a:round/>
-      </a:ln>
-    </cs:spPr>
-  </cs:errorBar>
-  <cs:floor>
-    <cs:lnRef idx="0"/>
-    <cs:fillRef idx="0"/>
-    <cs:effectRef idx="0"/>
-    <cs:fontRef idx="minor">
-      <a:schemeClr val="tx1"/>
-    </cs:fontRef>
-    <cs:spPr>
-      <a:noFill/>
-      <a:ln>
-        <a:noFill/>
-      </a:ln>
-    </cs:spPr>
-  </cs:floor>
-  <cs:gridlineMajor>
-    <cs:lnRef idx="0"/>
-    <cs:fillRef idx="0"/>
-    <cs:effectRef idx="0"/>
-    <cs:fontRef idx="minor">
-      <a:schemeClr val="tx1"/>
-    </cs:fontRef>
-    <cs:spPr>
-      <a:ln w="9525" cap="flat" cmpd="sng" algn="ctr">
-        <a:solidFill>
-          <a:schemeClr val="tx1">
-            <a:lumMod val="15000"/>
-            <a:lumOff val="85000"/>
-          </a:schemeClr>
-        </a:solidFill>
-        <a:round/>
-      </a:ln>
-    </cs:spPr>
-  </cs:gridlineMajor>
-  <cs:gridlineMinor>
-    <cs:lnRef idx="0"/>
-    <cs:fillRef idx="0"/>
-    <cs:effectRef idx="0"/>
-    <cs:fontRef idx="minor">
-      <a:schemeClr val="tx1"/>
-    </cs:fontRef>
-    <cs:spPr>
-      <a:ln w="9525" cap="flat" cmpd="sng" algn="ctr">
-        <a:solidFill>
-          <a:schemeClr val="tx1">
-            <a:lumMod val="5000"/>
-            <a:lumOff val="95000"/>
-          </a:schemeClr>
-        </a:solidFill>
-        <a:round/>
-      </a:ln>
-    </cs:spPr>
-  </cs:gridlineMinor>
-  <cs:hiLoLine>
-    <cs:lnRef idx="0"/>
-    <cs:fillRef idx="0"/>
-    <cs:effectRef idx="0"/>
-    <cs:fontRef idx="minor">
-      <a:schemeClr val="tx1"/>
-    </cs:fontRef>
-    <cs:spPr>
-      <a:ln w="9525" cap="flat" cmpd="sng" algn="ctr">
-        <a:solidFill>
-          <a:schemeClr val="tx1">
-            <a:lumMod val="50000"/>
-            <a:lumOff val="50000"/>
-          </a:schemeClr>
-        </a:solidFill>
-        <a:round/>
-      </a:ln>
-    </cs:spPr>
-  </cs:hiLoLine>
-  <cs:leaderLine>
-    <cs:lnRef idx="0"/>
-    <cs:fillRef idx="0"/>
-    <cs:effectRef idx="0"/>
-    <cs:fontRef idx="minor">
-      <a:schemeClr val="tx1"/>
-    </cs:fontRef>
-    <cs:spPr>
-      <a:ln w="9525" cap="flat" cmpd="sng" algn="ctr">
-        <a:solidFill>
-          <a:schemeClr val="tx1">
-            <a:lumMod val="35000"/>
-            <a:lumOff val="65000"/>
-          </a:schemeClr>
-        </a:solidFill>
-        <a:round/>
-      </a:ln>
-    </cs:spPr>
-  </cs:leaderLine>
-  <cs:legend>
-    <cs:lnRef idx="0"/>
-    <cs:fillRef idx="0"/>
-    <cs:effectRef idx="0"/>
-    <cs:fontRef idx="minor">
-      <a:schemeClr val="tx1">
-        <a:lumMod val="65000"/>
-        <a:lumOff val="35000"/>
-      </a:schemeClr>
-    </cs:fontRef>
-    <cs:defRPr sz="1197" kern="1200"/>
-  </cs:legend>
-  <cs:plotArea mods="allowNoFillOverride allowNoLineOverride">
-    <cs:lnRef idx="0"/>
-    <cs:fillRef idx="0"/>
-    <cs:effectRef idx="0"/>
-    <cs:fontRef idx="minor">
-      <a:schemeClr val="tx1"/>
-    </cs:fontRef>
-  </cs:plotArea>
-  <cs:plotArea3D mods="allowNoFillOverride allowNoLineOverride">
-    <cs:lnRef idx="0"/>
-    <cs:fillRef idx="0"/>
-    <cs:effectRef idx="0"/>
-    <cs:fontRef idx="minor">
-      <a:schemeClr val="tx1"/>
-    </cs:fontRef>
-  </cs:plotArea3D>
-  <cs:seriesAxis>
-    <cs:lnRef idx="0"/>
-    <cs:fillRef idx="0"/>
-    <cs:effectRef idx="0"/>
-    <cs:fontRef idx="minor">
-      <a:schemeClr val="tx1">
-        <a:lumMod val="65000"/>
-        <a:lumOff val="35000"/>
-      </a:schemeClr>
-    </cs:fontRef>
-    <cs:defRPr sz="1197" kern="1200"/>
-  </cs:seriesAxis>
-  <cs:seriesLine>
-    <cs:lnRef idx="0"/>
-    <cs:fillRef idx="0"/>
-    <cs:effectRef idx="0"/>
-    <cs:fontRef idx="minor">
-      <a:schemeClr val="tx1"/>
-    </cs:fontRef>
-    <cs:spPr>
-      <a:ln w="9525" cap="flat" cmpd="sng" algn="ctr">
-        <a:solidFill>
-          <a:schemeClr val="tx1">
-            <a:lumMod val="35000"/>
-            <a:lumOff val="65000"/>
-          </a:schemeClr>
-        </a:solidFill>
-        <a:round/>
-      </a:ln>
-    </cs:spPr>
-  </cs:seriesLine>
-  <cs:title>
-    <cs:lnRef idx="0"/>
-    <cs:fillRef idx="0"/>
-    <cs:effectRef idx="0"/>
-    <cs:fontRef idx="minor">
-      <a:schemeClr val="tx1">
-        <a:lumMod val="65000"/>
-        <a:lumOff val="35000"/>
-      </a:schemeClr>
-    </cs:fontRef>
-    <cs:defRPr sz="1862" b="0" kern="1200" spc="0" baseline="0"/>
-  </cs:title>
-  <cs:trendline>
-    <cs:lnRef idx="0">
-      <cs:styleClr val="auto"/>
-    </cs:lnRef>
-    <cs:fillRef idx="0"/>
-    <cs:effectRef idx="0"/>
-    <cs:fontRef idx="minor">
-      <a:schemeClr val="tx1"/>
-    </cs:fontRef>
-    <cs:spPr>
-      <a:ln w="19050" cap="rnd">
-        <a:solidFill>
-          <a:schemeClr val="phClr"/>
-        </a:solidFill>
-        <a:prstDash val="sysDot"/>
-      </a:ln>
-    </cs:spPr>
-  </cs:trendline>
-  <cs:trendlineLabel>
-    <cs:lnRef idx="0"/>
-    <cs:fillRef idx="0"/>
-    <cs:effectRef idx="0"/>
-    <cs:fontRef idx="minor">
-      <a:schemeClr val="tx1">
-        <a:lumMod val="65000"/>
-        <a:lumOff val="35000"/>
-      </a:schemeClr>
-    </cs:fontRef>
-    <cs:defRPr sz="1197" kern="1200"/>
-  </cs:trendlineLabel>
-  <cs:upBar>
-    <cs:lnRef idx="0"/>
-    <cs:fillRef idx="0"/>
-    <cs:effectRef idx="0"/>
-    <cs:fontRef idx="minor">
-      <a:schemeClr val="tx1"/>
-    </cs:fontRef>
-    <cs:spPr>
-      <a:solidFill>
-        <a:schemeClr val="lt1"/>
-      </a:solidFill>
-      <a:ln w="9525" cap="flat" cmpd="sng" algn="ctr">
-        <a:solidFill>
-          <a:schemeClr val="tx1">
-            <a:lumMod val="65000"/>
-            <a:lumOff val="35000"/>
-          </a:schemeClr>
-        </a:solidFill>
-        <a:round/>
-      </a:ln>
-    </cs:spPr>
-  </cs:upBar>
-  <cs:valueAxis>
-    <cs:lnRef idx="0"/>
-    <cs:fillRef idx="0"/>
-    <cs:effectRef idx="0"/>
-    <cs:fontRef idx="minor">
-      <a:schemeClr val="tx1">
-        <a:lumMod val="65000"/>
-        <a:lumOff val="35000"/>
-      </a:schemeClr>
-    </cs:fontRef>
-    <cs:defRPr sz="1197" kern="1200"/>
-  </cs:valueAxis>
-  <cs:wall>
-    <cs:lnRef idx="0"/>
-    <cs:fillRef idx="0"/>
-    <cs:effectRef idx="0"/>
-    <cs:fontRef idx="minor">
-      <a:schemeClr val="tx1"/>
-    </cs:fontRef>
-    <cs:spPr>
-      <a:noFill/>
-      <a:ln>
-        <a:noFill/>
-      </a:ln>
-    </cs:spPr>
-  </cs:wall>
-</cs:chartStyle>
-</file>
-
-<file path=ppt/charts/style2.xml><?xml version="1.0" encoding="utf-8"?>
-<cs:chartStyle xmlns:cs="http://schemas.microsoft.com/office/drawing/2012/chartStyle" xmlns:a="http://schemas.openxmlformats.org/drawingml/2006/main" id="251">
-  <cs:axisTitle>
-    <cs:lnRef idx="0"/>
-    <cs:fillRef idx="0"/>
-    <cs:effectRef idx="0"/>
-    <cs:fontRef idx="minor">
-      <a:schemeClr val="tx1">
-        <a:lumMod val="65000"/>
-        <a:lumOff val="35000"/>
-      </a:schemeClr>
-    </cs:fontRef>
-    <cs:defRPr sz="1330" kern="1200"/>
-  </cs:axisTitle>
-  <cs:categoryAxis>
-    <cs:lnRef idx="0"/>
-    <cs:fillRef idx="0"/>
-    <cs:effectRef idx="0"/>
-    <cs:fontRef idx="minor">
-      <a:schemeClr val="tx1">
-        <a:lumMod val="65000"/>
-        <a:lumOff val="35000"/>
-      </a:schemeClr>
-    </cs:fontRef>
-    <cs:spPr>
-      <a:ln w="9525" cap="flat" cmpd="sng" algn="ctr">
-        <a:solidFill>
-          <a:schemeClr val="tx1">
-            <a:lumMod val="15000"/>
-            <a:lumOff val="85000"/>
-          </a:schemeClr>
-        </a:solidFill>
-        <a:round/>
-      </a:ln>
-    </cs:spPr>
-    <cs:defRPr sz="1197" kern="1200"/>
-  </cs:categoryAxis>
-  <cs:chartArea mods="allowNoFillOverride allowNoLineOverride">
-    <cs:lnRef idx="0"/>
-    <cs:fillRef idx="0"/>
-    <cs:effectRef idx="0"/>
-    <cs:fontRef idx="minor">
-      <a:schemeClr val="tx1"/>
-    </cs:fontRef>
-    <cs:spPr>
-      <a:solidFill>
-        <a:schemeClr val="bg1"/>
-      </a:solidFill>
-      <a:ln w="9525" cap="flat" cmpd="sng" algn="ctr">
-        <a:solidFill>
-          <a:schemeClr val="tx1">
-            <a:lumMod val="15000"/>
-            <a:lumOff val="85000"/>
-          </a:schemeClr>
-        </a:solidFill>
-        <a:round/>
-      </a:ln>
-    </cs:spPr>
-    <cs:defRPr sz="1197" kern="1200"/>
-  </cs:chartArea>
-  <cs:dataLabel>
-    <cs:lnRef idx="0"/>
-    <cs:fillRef idx="0"/>
-    <cs:effectRef idx="0"/>
-    <cs:fontRef idx="minor">
-      <a:schemeClr val="tx1">
-        <a:lumMod val="75000"/>
-        <a:lumOff val="25000"/>
-      </a:schemeClr>
-    </cs:fontRef>
-    <cs:defRPr sz="1197" kern="1200"/>
-  </cs:dataLabel>
-  <cs:dataLabelCallout>
-    <cs:lnRef idx="0"/>
-    <cs:fillRef idx="0"/>
-    <cs:effectRef idx="0"/>
-    <cs:fontRef idx="minor">
-      <a:schemeClr val="dk1">
-        <a:lumMod val="65000"/>
-        <a:lumOff val="35000"/>
-      </a:schemeClr>
-    </cs:fontRef>
-    <cs:spPr>
-      <a:solidFill>
-        <a:schemeClr val="lt1"/>
-      </a:solidFill>
-      <a:ln>
-        <a:solidFill>
-          <a:schemeClr val="dk1">
-            <a:lumMod val="25000"/>
-            <a:lumOff val="75000"/>
-          </a:schemeClr>
-        </a:solidFill>
-      </a:ln>
-    </cs:spPr>
-    <cs:defRPr sz="1197" kern="1200"/>
-    <cs:bodyPr rot="0" spcFirstLastPara="1" vertOverflow="clip" horzOverflow="clip" vert="horz" wrap="square" lIns="36576" tIns="18288" rIns="36576" bIns="18288" anchor="ctr" anchorCtr="1">
-      <a:spAutoFit/>
-    </cs:bodyPr>
-  </cs:dataLabelCallout>
-  <cs:dataPoint>
-    <cs:lnRef idx="0"/>
-    <cs:fillRef idx="1">
-      <cs:styleClr val="auto"/>
-    </cs:fillRef>
-    <cs:effectRef idx="0"/>
-    <cs:fontRef idx="minor">
-      <a:schemeClr val="tx1"/>
-    </cs:fontRef>
-    <cs:spPr>
-      <a:ln w="19050">
-        <a:solidFill>
-          <a:schemeClr val="lt1"/>
-        </a:solidFill>
-      </a:ln>
-    </cs:spPr>
-  </cs:dataPoint>
-  <cs:dataPoint3D>
-    <cs:lnRef idx="0"/>
-    <cs:fillRef idx="1">
-      <cs:styleClr val="auto"/>
-    </cs:fillRef>
-    <cs:effectRef idx="0"/>
-    <cs:fontRef idx="minor">
-      <a:schemeClr val="tx1"/>
-    </cs:fontRef>
-    <cs:spPr>
-      <a:ln w="25400">
-        <a:solidFill>
-          <a:schemeClr val="lt1"/>
-        </a:solidFill>
-      </a:ln>
-    </cs:spPr>
-  </cs:dataPoint3D>
-  <cs:dataPointLine>
-    <cs:lnRef idx="0">
-      <cs:styleClr val="auto"/>
-    </cs:lnRef>
-    <cs:fillRef idx="0"/>
-    <cs:effectRef idx="0"/>
-    <cs:fontRef idx="minor">
-      <a:schemeClr val="tx1"/>
-    </cs:fontRef>
-    <cs:spPr>
-      <a:ln w="28575" cap="rnd">
-        <a:solidFill>
-          <a:schemeClr val="phClr"/>
-        </a:solidFill>
-        <a:round/>
-      </a:ln>
-    </cs:spPr>
-  </cs:dataPointLine>
-  <cs:dataPointMarker>
-    <cs:lnRef idx="0">
-      <cs:styleClr val="auto"/>
-    </cs:lnRef>
-    <cs:fillRef idx="1">
-      <cs:styleClr val="auto"/>
-    </cs:fillRef>
-    <cs:effectRef idx="0"/>
-    <cs:fontRef idx="minor">
-      <a:schemeClr val="tx1"/>
-    </cs:fontRef>
-    <cs:spPr>
-      <a:ln w="9525">
-        <a:solidFill>
-          <a:schemeClr val="phClr"/>
-        </a:solidFill>
-      </a:ln>
-    </cs:spPr>
-  </cs:dataPointMarker>
-  <cs:dataPointMarkerLayout symbol="circle" size="5"/>
-  <cs:dataPointWireframe>
-    <cs:lnRef idx="0">
-      <cs:styleClr val="auto"/>
-    </cs:lnRef>
-    <cs:fillRef idx="0"/>
-    <cs:effectRef idx="0"/>
-    <cs:fontRef idx="minor">
-      <a:schemeClr val="tx1"/>
-    </cs:fontRef>
-    <cs:spPr>
-      <a:ln w="9525" cap="rnd">
-        <a:solidFill>
-          <a:schemeClr val="phClr"/>
-        </a:solidFill>
-        <a:round/>
-      </a:ln>
-    </cs:spPr>
-  </cs:dataPointWireframe>
-  <cs:dataTable>
-    <cs:lnRef idx="0"/>
-    <cs:fillRef idx="0"/>
-    <cs:effectRef idx="0"/>
-    <cs:fontRef idx="minor">
-      <a:schemeClr val="tx1">
-        <a:lumMod val="65000"/>
-        <a:lumOff val="35000"/>
-      </a:schemeClr>
-    </cs:fontRef>
-    <cs:spPr>
-      <a:noFill/>
-      <a:ln w="9525" cap="flat" cmpd="sng" algn="ctr">
-        <a:solidFill>
-          <a:schemeClr val="tx1">
-            <a:lumMod val="15000"/>
-            <a:lumOff val="85000"/>
-          </a:schemeClr>
-        </a:solidFill>
-        <a:round/>
-      </a:ln>
-    </cs:spPr>
-    <cs:defRPr sz="1197" kern="1200"/>
-  </cs:dataTable>
-  <cs:downBar>
-    <cs:lnRef idx="0"/>
-    <cs:fillRef idx="0"/>
-    <cs:effectRef idx="0"/>
-    <cs:fontRef idx="minor">
-      <a:schemeClr val="tx1"/>
-    </cs:fontRef>
-    <cs:spPr>
-      <a:solidFill>
-        <a:schemeClr val="dk1">
-          <a:lumMod val="75000"/>
-          <a:lumOff val="25000"/>
-        </a:schemeClr>
-      </a:solidFill>
-      <a:ln w="9525" cap="flat" cmpd="sng" algn="ctr">
-        <a:solidFill>
-          <a:schemeClr val="tx1">
-            <a:lumMod val="65000"/>
-            <a:lumOff val="35000"/>
-          </a:schemeClr>
-        </a:solidFill>
-        <a:round/>
-      </a:ln>
-    </cs:spPr>
-  </cs:downBar>
-  <cs:dropLine>
-    <cs:lnRef idx="0"/>
-    <cs:fillRef idx="0"/>
-    <cs:effectRef idx="0"/>
-    <cs:fontRef idx="minor">
-      <a:schemeClr val="tx1"/>
-    </cs:fontRef>
-    <cs:spPr>
-      <a:ln w="9525" cap="flat" cmpd="sng" algn="ctr">
-        <a:solidFill>
-          <a:schemeClr val="tx1">
-            <a:lumMod val="35000"/>
-            <a:lumOff val="65000"/>
-          </a:schemeClr>
-        </a:solidFill>
-        <a:round/>
-      </a:ln>
-    </cs:spPr>
-  </cs:dropLine>
-  <cs:errorBar>
-    <cs:lnRef idx="0"/>
-    <cs:fillRef idx="0"/>
-    <cs:effectRef idx="0"/>
-    <cs:fontRef idx="minor">
-      <a:schemeClr val="tx1"/>
-    </cs:fontRef>
-    <cs:spPr>
-      <a:ln w="9525" cap="flat" cmpd="sng" algn="ctr">
-        <a:solidFill>
-          <a:schemeClr val="tx1">
-            <a:lumMod val="65000"/>
-            <a:lumOff val="35000"/>
-          </a:schemeClr>
-        </a:solidFill>
-        <a:round/>
-      </a:ln>
-    </cs:spPr>
-  </cs:errorBar>
-  <cs:floor>
-    <cs:lnRef idx="0"/>
-    <cs:fillRef idx="0"/>
-    <cs:effectRef idx="0"/>
-    <cs:fontRef idx="minor">
-      <a:schemeClr val="tx1"/>
-    </cs:fontRef>
-    <cs:spPr>
-      <a:noFill/>
-      <a:ln>
-        <a:noFill/>
-      </a:ln>
-    </cs:spPr>
-  </cs:floor>
-  <cs:gridlineMajor>
-    <cs:lnRef idx="0"/>
-    <cs:fillRef idx="0"/>
-    <cs:effectRef idx="0"/>
-    <cs:fontRef idx="minor">
-      <a:schemeClr val="tx1"/>
-    </cs:fontRef>
-    <cs:spPr>
-      <a:ln w="9525" cap="flat" cmpd="sng" algn="ctr">
-        <a:solidFill>
-          <a:schemeClr val="tx1">
-            <a:lumMod val="15000"/>
-            <a:lumOff val="85000"/>
-          </a:schemeClr>
-        </a:solidFill>
-        <a:round/>
-      </a:ln>
-    </cs:spPr>
-  </cs:gridlineMajor>
-  <cs:gridlineMinor>
-    <cs:lnRef idx="0"/>
-    <cs:fillRef idx="0"/>
-    <cs:effectRef idx="0"/>
-    <cs:fontRef idx="minor">
-      <a:schemeClr val="tx1"/>
-    </cs:fontRef>
-    <cs:spPr>
-      <a:ln w="9525" cap="flat" cmpd="sng" algn="ctr">
-        <a:solidFill>
-          <a:schemeClr val="tx1">
-            <a:lumMod val="5000"/>
-            <a:lumOff val="95000"/>
-          </a:schemeClr>
-        </a:solidFill>
-        <a:round/>
-      </a:ln>
-    </cs:spPr>
-  </cs:gridlineMinor>
-  <cs:hiLoLine>
-    <cs:lnRef idx="0"/>
-    <cs:fillRef idx="0"/>
-    <cs:effectRef idx="0"/>
-    <cs:fontRef idx="minor">
-      <a:schemeClr val="tx1"/>
-    </cs:fontRef>
-    <cs:spPr>
-      <a:ln w="9525" cap="flat" cmpd="sng" algn="ctr">
-        <a:solidFill>
-          <a:schemeClr val="tx1">
-            <a:lumMod val="50000"/>
-            <a:lumOff val="50000"/>
-          </a:schemeClr>
-        </a:solidFill>
-        <a:round/>
-      </a:ln>
-    </cs:spPr>
-  </cs:hiLoLine>
-  <cs:leaderLine>
-    <cs:lnRef idx="0"/>
-    <cs:fillRef idx="0"/>
-    <cs:effectRef idx="0"/>
-    <cs:fontRef idx="minor">
-      <a:schemeClr val="tx1"/>
-    </cs:fontRef>
-    <cs:spPr>
-      <a:ln w="9525" cap="flat" cmpd="sng" algn="ctr">
-        <a:solidFill>
-          <a:schemeClr val="tx1">
-            <a:lumMod val="35000"/>
-            <a:lumOff val="65000"/>
-          </a:schemeClr>
-        </a:solidFill>
-        <a:round/>
-      </a:ln>
-    </cs:spPr>
-  </cs:leaderLine>
-  <cs:legend>
-    <cs:lnRef idx="0"/>
-    <cs:fillRef idx="0"/>
-    <cs:effectRef idx="0"/>
-    <cs:fontRef idx="minor">
-      <a:schemeClr val="tx1">
-        <a:lumMod val="65000"/>
-        <a:lumOff val="35000"/>
-      </a:schemeClr>
-    </cs:fontRef>
-    <cs:defRPr sz="1197" kern="1200"/>
-  </cs:legend>
-  <cs:plotArea mods="allowNoFillOverride allowNoLineOverride">
-    <cs:lnRef idx="0"/>
-    <cs:fillRef idx="0"/>
-    <cs:effectRef idx="0"/>
-    <cs:fontRef idx="minor">
-      <a:schemeClr val="tx1"/>
-    </cs:fontRef>
-  </cs:plotArea>
-  <cs:plotArea3D mods="allowNoFillOverride allowNoLineOverride">
-    <cs:lnRef idx="0"/>
-    <cs:fillRef idx="0"/>
-    <cs:effectRef idx="0"/>
-    <cs:fontRef idx="minor">
-      <a:schemeClr val="tx1"/>
-    </cs:fontRef>
-  </cs:plotArea3D>
-  <cs:seriesAxis>
-    <cs:lnRef idx="0"/>
-    <cs:fillRef idx="0"/>
-    <cs:effectRef idx="0"/>
-    <cs:fontRef idx="minor">
-      <a:schemeClr val="tx1">
-        <a:lumMod val="65000"/>
-        <a:lumOff val="35000"/>
-      </a:schemeClr>
-    </cs:fontRef>
-    <cs:defRPr sz="1197" kern="1200"/>
-  </cs:seriesAxis>
-  <cs:seriesLine>
-    <cs:lnRef idx="0"/>
-    <cs:fillRef idx="0"/>
-    <cs:effectRef idx="0"/>
-    <cs:fontRef idx="minor">
-      <a:schemeClr val="tx1"/>
-    </cs:fontRef>
-    <cs:spPr>
-      <a:ln w="9525" cap="flat" cmpd="sng" algn="ctr">
-        <a:solidFill>
-          <a:schemeClr val="tx1">
-            <a:lumMod val="35000"/>
-            <a:lumOff val="65000"/>
-          </a:schemeClr>
-        </a:solidFill>
-        <a:round/>
-      </a:ln>
-    </cs:spPr>
-  </cs:seriesLine>
-  <cs:title>
-    <cs:lnRef idx="0"/>
-    <cs:fillRef idx="0"/>
-    <cs:effectRef idx="0"/>
-    <cs:fontRef idx="minor">
-      <a:schemeClr val="tx1">
-        <a:lumMod val="65000"/>
-        <a:lumOff val="35000"/>
-      </a:schemeClr>
-    </cs:fontRef>
-    <cs:defRPr sz="1862" b="0" kern="1200" spc="0" baseline="0"/>
-  </cs:title>
-  <cs:trendline>
-    <cs:lnRef idx="0">
-      <cs:styleClr val="auto"/>
-    </cs:lnRef>
-    <cs:fillRef idx="0"/>
-    <cs:effectRef idx="0"/>
-    <cs:fontRef idx="minor">
-      <a:schemeClr val="tx1"/>
-    </cs:fontRef>
-    <cs:spPr>
-      <a:ln w="19050" cap="rnd">
-        <a:solidFill>
-          <a:schemeClr val="phClr"/>
-        </a:solidFill>
-        <a:prstDash val="sysDot"/>
-      </a:ln>
-    </cs:spPr>
-  </cs:trendline>
-  <cs:trendlineLabel>
-    <cs:lnRef idx="0"/>
-    <cs:fillRef idx="0"/>
-    <cs:effectRef idx="0"/>
-    <cs:fontRef idx="minor">
-      <a:schemeClr val="tx1">
-        <a:lumMod val="65000"/>
-        <a:lumOff val="35000"/>
-      </a:schemeClr>
-    </cs:fontRef>
-    <cs:defRPr sz="1197" kern="1200"/>
-  </cs:trendlineLabel>
-  <cs:upBar>
-    <cs:lnRef idx="0"/>
-    <cs:fillRef idx="0"/>
-    <cs:effectRef idx="0"/>
-    <cs:fontRef idx="minor">
-      <a:schemeClr val="tx1"/>
-    </cs:fontRef>
-    <cs:spPr>
-      <a:solidFill>
-        <a:schemeClr val="lt1"/>
-      </a:solidFill>
-      <a:ln w="9525" cap="flat" cmpd="sng" algn="ctr">
-        <a:solidFill>
-          <a:schemeClr val="tx1">
-            <a:lumMod val="65000"/>
-            <a:lumOff val="35000"/>
-          </a:schemeClr>
-        </a:solidFill>
-        <a:round/>
-      </a:ln>
-    </cs:spPr>
-  </cs:upBar>
-  <cs:valueAxis>
-    <cs:lnRef idx="0"/>
-    <cs:fillRef idx="0"/>
-    <cs:effectRef idx="0"/>
-    <cs:fontRef idx="minor">
-      <a:schemeClr val="tx1">
-        <a:lumMod val="65000"/>
-        <a:lumOff val="35000"/>
-      </a:schemeClr>
-    </cs:fontRef>
-    <cs:defRPr sz="1197" kern="1200"/>
-  </cs:valueAxis>
-  <cs:wall>
-    <cs:lnRef idx="0"/>
-    <cs:fillRef idx="0"/>
-    <cs:effectRef idx="0"/>
-    <cs:fontRef idx="minor">
-      <a:schemeClr val="tx1"/>
-    </cs:fontRef>
-    <cs:spPr>
-      <a:noFill/>
-      <a:ln>
-        <a:noFill/>
-      </a:ln>
-    </cs:spPr>
-  </cs:wall>
-</cs:chartStyle>
 </file>
 
 <file path=ppt/slideLayouts/slideLayout1.xml><?xml version="1.0" encoding="utf-8"?>
@@ -1770,7 +747,7 @@
           <a:p>
             <a:fld id="{7BD188B3-C529-44F4-80F3-04E9450726F9}" type="datetimeFigureOut">
               <a:rPr lang="zh-CN" altLang="en-US" smtClean="0"/>
-              <a:t>2018/4/3</a:t>
+              <a:t>2018/4/11</a:t>
             </a:fld>
             <a:endParaRPr lang="zh-CN" altLang="en-US"/>
           </a:p>
@@ -1940,7 +917,7 @@
           <a:p>
             <a:fld id="{7BD188B3-C529-44F4-80F3-04E9450726F9}" type="datetimeFigureOut">
               <a:rPr lang="zh-CN" altLang="en-US" smtClean="0"/>
-              <a:t>2018/4/3</a:t>
+              <a:t>2018/4/11</a:t>
             </a:fld>
             <a:endParaRPr lang="zh-CN" altLang="en-US"/>
           </a:p>
@@ -2120,7 +1097,7 @@
           <a:p>
             <a:fld id="{7BD188B3-C529-44F4-80F3-04E9450726F9}" type="datetimeFigureOut">
               <a:rPr lang="zh-CN" altLang="en-US" smtClean="0"/>
-              <a:t>2018/4/3</a:t>
+              <a:t>2018/4/11</a:t>
             </a:fld>
             <a:endParaRPr lang="zh-CN" altLang="en-US"/>
           </a:p>
@@ -2290,7 +1267,7 @@
           <a:p>
             <a:fld id="{7BD188B3-C529-44F4-80F3-04E9450726F9}" type="datetimeFigureOut">
               <a:rPr lang="zh-CN" altLang="en-US" smtClean="0"/>
-              <a:t>2018/4/3</a:t>
+              <a:t>2018/4/11</a:t>
             </a:fld>
             <a:endParaRPr lang="zh-CN" altLang="en-US"/>
           </a:p>
@@ -2536,7 +1513,7 @@
           <a:p>
             <a:fld id="{7BD188B3-C529-44F4-80F3-04E9450726F9}" type="datetimeFigureOut">
               <a:rPr lang="zh-CN" altLang="en-US" smtClean="0"/>
-              <a:t>2018/4/3</a:t>
+              <a:t>2018/4/11</a:t>
             </a:fld>
             <a:endParaRPr lang="zh-CN" altLang="en-US"/>
           </a:p>
@@ -2768,7 +1745,7 @@
           <a:p>
             <a:fld id="{7BD188B3-C529-44F4-80F3-04E9450726F9}" type="datetimeFigureOut">
               <a:rPr lang="zh-CN" altLang="en-US" smtClean="0"/>
-              <a:t>2018/4/3</a:t>
+              <a:t>2018/4/11</a:t>
             </a:fld>
             <a:endParaRPr lang="zh-CN" altLang="en-US"/>
           </a:p>
@@ -3135,7 +2112,7 @@
           <a:p>
             <a:fld id="{7BD188B3-C529-44F4-80F3-04E9450726F9}" type="datetimeFigureOut">
               <a:rPr lang="zh-CN" altLang="en-US" smtClean="0"/>
-              <a:t>2018/4/3</a:t>
+              <a:t>2018/4/11</a:t>
             </a:fld>
             <a:endParaRPr lang="zh-CN" altLang="en-US"/>
           </a:p>
@@ -3253,7 +2230,7 @@
           <a:p>
             <a:fld id="{7BD188B3-C529-44F4-80F3-04E9450726F9}" type="datetimeFigureOut">
               <a:rPr lang="zh-CN" altLang="en-US" smtClean="0"/>
-              <a:t>2018/4/3</a:t>
+              <a:t>2018/4/11</a:t>
             </a:fld>
             <a:endParaRPr lang="zh-CN" altLang="en-US"/>
           </a:p>
@@ -3348,7 +2325,7 @@
           <a:p>
             <a:fld id="{7BD188B3-C529-44F4-80F3-04E9450726F9}" type="datetimeFigureOut">
               <a:rPr lang="zh-CN" altLang="en-US" smtClean="0"/>
-              <a:t>2018/4/3</a:t>
+              <a:t>2018/4/11</a:t>
             </a:fld>
             <a:endParaRPr lang="zh-CN" altLang="en-US"/>
           </a:p>
@@ -3625,7 +2602,7 @@
           <a:p>
             <a:fld id="{7BD188B3-C529-44F4-80F3-04E9450726F9}" type="datetimeFigureOut">
               <a:rPr lang="zh-CN" altLang="en-US" smtClean="0"/>
-              <a:t>2018/4/3</a:t>
+              <a:t>2018/4/11</a:t>
             </a:fld>
             <a:endParaRPr lang="zh-CN" altLang="en-US"/>
           </a:p>
@@ -3882,7 +2859,7 @@
           <a:p>
             <a:fld id="{7BD188B3-C529-44F4-80F3-04E9450726F9}" type="datetimeFigureOut">
               <a:rPr lang="zh-CN" altLang="en-US" smtClean="0"/>
-              <a:t>2018/4/3</a:t>
+              <a:t>2018/4/11</a:t>
             </a:fld>
             <a:endParaRPr lang="zh-CN" altLang="en-US"/>
           </a:p>
@@ -4095,7 +3072,7 @@
           <a:p>
             <a:fld id="{7BD188B3-C529-44F4-80F3-04E9450726F9}" type="datetimeFigureOut">
               <a:rPr lang="zh-CN" altLang="en-US" smtClean="0"/>
-              <a:t>2018/4/3</a:t>
+              <a:t>2018/4/11</a:t>
             </a:fld>
             <a:endParaRPr lang="zh-CN" altLang="en-US"/>
           </a:p>
@@ -4508,10 +3485,10 @@
         </p:nvGrpSpPr>
         <p:grpSpPr>
           <a:xfrm>
-            <a:off x="237692" y="494285"/>
-            <a:ext cx="3442957" cy="5880932"/>
+            <a:off x="352225" y="633102"/>
+            <a:ext cx="3036964" cy="5194238"/>
             <a:chOff x="342900" y="802264"/>
-            <a:chExt cx="3200400" cy="5466619"/>
+            <a:chExt cx="3200400" cy="5473769"/>
           </a:xfrm>
         </p:grpSpPr>
         <p:sp>
@@ -4569,7 +3546,7 @@
             <a:p>
               <a:pPr algn="ctr"/>
               <a:r>
-                <a:rPr lang="en-US" altLang="zh-CN" sz="2126" b="1" dirty="0">
+                <a:rPr lang="en-US" altLang="zh-CN" sz="2000" b="1" dirty="0">
                   <a:solidFill>
                     <a:schemeClr val="accent1">
                       <a:lumMod val="50000"/>
@@ -4578,7 +3555,7 @@
                 </a:rPr>
                 <a:t>layer</a:t>
               </a:r>
-              <a:endParaRPr lang="zh-CN" altLang="en-US" sz="2126" b="1" dirty="0">
+              <a:endParaRPr lang="zh-CN" altLang="en-US" sz="2000" b="1" dirty="0">
                 <a:solidFill>
                   <a:schemeClr val="accent1">
                     <a:lumMod val="50000"/>
@@ -4643,7 +3620,7 @@
             <a:p>
               <a:pPr algn="ctr"/>
               <a:r>
-                <a:rPr lang="en-US" altLang="zh-CN" sz="2126" b="1" dirty="0">
+                <a:rPr lang="en-US" altLang="zh-CN" sz="2000" b="1" dirty="0">
                   <a:solidFill>
                     <a:schemeClr val="accent1">
                       <a:lumMod val="50000"/>
@@ -4652,7 +3629,7 @@
                 </a:rPr>
                 <a:t>layer</a:t>
               </a:r>
-              <a:endParaRPr lang="zh-CN" altLang="en-US" sz="2126" b="1" dirty="0">
+              <a:endParaRPr lang="zh-CN" altLang="en-US" sz="2000" b="1" dirty="0">
                 <a:solidFill>
                   <a:schemeClr val="accent1">
                     <a:lumMod val="50000"/>
@@ -4717,7 +3694,7 @@
             <a:p>
               <a:pPr algn="ctr"/>
               <a:r>
-                <a:rPr lang="en-US" altLang="zh-CN" sz="2126" b="1" dirty="0">
+                <a:rPr lang="en-US" altLang="zh-CN" sz="2000" b="1" dirty="0">
                   <a:solidFill>
                     <a:schemeClr val="accent1">
                       <a:lumMod val="50000"/>
@@ -4726,7 +3703,7 @@
                 </a:rPr>
                 <a:t>layer</a:t>
               </a:r>
-              <a:endParaRPr lang="zh-CN" altLang="en-US" sz="2126" b="1" dirty="0">
+              <a:endParaRPr lang="zh-CN" altLang="en-US" sz="2000" b="1" dirty="0">
                 <a:solidFill>
                   <a:schemeClr val="accent1">
                     <a:lumMod val="50000"/>
@@ -4791,7 +3768,7 @@
             <a:p>
               <a:pPr algn="ctr"/>
               <a:r>
-                <a:rPr lang="en-US" altLang="zh-CN" sz="2126" b="1" dirty="0">
+                <a:rPr lang="en-US" altLang="zh-CN" sz="2000" b="1" dirty="0">
                   <a:solidFill>
                     <a:schemeClr val="accent1">
                       <a:lumMod val="50000"/>
@@ -4800,7 +3777,7 @@
                 </a:rPr>
                 <a:t>layer</a:t>
               </a:r>
-              <a:endParaRPr lang="zh-CN" altLang="en-US" sz="2126" b="1" dirty="0">
+              <a:endParaRPr lang="zh-CN" altLang="en-US" sz="2000" b="1" dirty="0">
                 <a:solidFill>
                   <a:schemeClr val="accent1">
                     <a:lumMod val="50000"/>
@@ -5061,7 +4038,7 @@
           <p:spPr>
             <a:xfrm>
               <a:off x="783037" y="5878961"/>
-              <a:ext cx="775136" cy="389922"/>
+              <a:ext cx="743237" cy="397072"/>
             </a:xfrm>
             <a:prstGeom prst="rect">
               <a:avLst/>
@@ -5075,10 +4052,10 @@
             <a:lstStyle/>
             <a:p>
               <a:r>
-                <a:rPr lang="en-US" altLang="zh-CN" sz="2126" b="1" dirty="0"/>
+                <a:rPr lang="en-US" altLang="zh-CN" sz="2000" b="1" dirty="0"/>
                 <a:t>input</a:t>
               </a:r>
-              <a:endParaRPr lang="zh-CN" altLang="en-US" sz="2126" b="1" dirty="0"/>
+              <a:endParaRPr lang="zh-CN" altLang="en-US" sz="2000" b="1" dirty="0"/>
             </a:p>
           </p:txBody>
         </p:sp>
@@ -5091,7 +4068,7 @@
           <p:spPr>
             <a:xfrm>
               <a:off x="705293" y="802264"/>
-              <a:ext cx="952453" cy="389922"/>
+              <a:ext cx="905501" cy="397072"/>
             </a:xfrm>
             <a:prstGeom prst="rect">
               <a:avLst/>
@@ -5105,10 +4082,10 @@
             <a:lstStyle/>
             <a:p>
               <a:r>
-                <a:rPr lang="en-US" altLang="zh-CN" sz="2126" b="1" dirty="0"/>
+                <a:rPr lang="en-US" altLang="zh-CN" sz="2000" b="1" dirty="0"/>
                 <a:t>output</a:t>
               </a:r>
-              <a:endParaRPr lang="zh-CN" altLang="en-US" sz="2126" b="1" dirty="0"/>
+              <a:endParaRPr lang="zh-CN" altLang="en-US" sz="2000" b="1" dirty="0"/>
             </a:p>
           </p:txBody>
         </p:sp>
@@ -5240,7 +4217,7 @@
             <a:p>
               <a:pPr algn="r"/>
               <a:r>
-                <a:rPr lang="en-US" altLang="zh-CN" sz="2126" b="1" dirty="0">
+                <a:rPr lang="en-US" altLang="zh-CN" sz="2000" b="1" dirty="0">
                   <a:solidFill>
                     <a:schemeClr val="tx1">
                       <a:lumMod val="95000"/>
@@ -5250,7 +4227,7 @@
                 </a:rPr>
                 <a:t>Network model</a:t>
               </a:r>
-              <a:endParaRPr lang="zh-CN" altLang="en-US" sz="2126" b="1" dirty="0">
+              <a:endParaRPr lang="zh-CN" altLang="en-US" sz="2000" b="1" dirty="0">
                 <a:solidFill>
                   <a:schemeClr val="tx1">
                     <a:lumMod val="95000"/>
@@ -5270,10 +4247,10 @@
         </p:nvGrpSpPr>
         <p:grpSpPr>
           <a:xfrm>
-            <a:off x="3762213" y="818740"/>
-            <a:ext cx="6589635" cy="2397713"/>
+            <a:off x="3958051" y="713479"/>
+            <a:ext cx="6320182" cy="2245845"/>
             <a:chOff x="3944081" y="1361525"/>
-            <a:chExt cx="5579141" cy="2030033"/>
+            <a:chExt cx="5712851" cy="2030033"/>
           </a:xfrm>
         </p:grpSpPr>
         <p:cxnSp>
@@ -7917,8 +6894,8 @@
             </a:fontRef>
           </p:style>
         </p:cxnSp>
-        <mc:AlternateContent xmlns:mc="http://schemas.openxmlformats.org/markup-compatibility/2006">
-          <mc:Choice xmlns:a14="http://schemas.microsoft.com/office/drawing/2010/main" Requires="a14">
+        <mc:AlternateContent xmlns:mc="http://schemas.openxmlformats.org/markup-compatibility/2006" xmlns:a14="http://schemas.microsoft.com/office/drawing/2010/main">
+          <mc:Choice Requires="a14">
             <p:sp>
               <p:nvSpPr>
                 <p:cNvPr id="151" name="文本框 150"/>
@@ -7928,7 +6905,7 @@
               <p:spPr>
                 <a:xfrm>
                   <a:off x="6478884" y="1521223"/>
-                  <a:ext cx="3044338" cy="664317"/>
+                  <a:ext cx="3178048" cy="669420"/>
                 </a:xfrm>
                 <a:prstGeom prst="rect">
                   <a:avLst/>
@@ -7941,6 +6918,7 @@
                 </a:bodyPr>
                 <a:lstStyle/>
                 <a:p>
+                  <a:pPr/>
                   <a14:m>
                     <m:oMathPara xmlns:m="http://schemas.openxmlformats.org/officeDocument/2006/math">
                       <m:oMathParaPr>
@@ -7950,47 +6928,47 @@
                         <m:sSub>
                           <m:sSubPr>
                             <m:ctrlPr>
-                              <a:rPr lang="en-US" altLang="zh-CN" sz="1600" i="1">
+                              <a:rPr lang="en-US" altLang="zh-CN" sz="1600" b="1" i="1">
                                 <a:latin typeface="Cambria Math" panose="02040503050406030204" pitchFamily="18" charset="0"/>
                               </a:rPr>
                             </m:ctrlPr>
                           </m:sSubPr>
                           <m:e>
                             <m:r>
-                              <a:rPr lang="en-US" altLang="zh-CN" sz="1600" i="1">
+                              <a:rPr lang="en-US" altLang="zh-CN" sz="1600" b="1" i="1">
                                 <a:latin typeface="Cambria Math" panose="02040503050406030204" pitchFamily="18" charset="0"/>
                               </a:rPr>
-                              <m:t>𝐹</m:t>
+                              <m:t>𝑭</m:t>
                             </m:r>
                           </m:e>
                           <m:sub>
                             <m:r>
-                              <a:rPr lang="en-US" altLang="zh-CN" sz="1600" i="1">
+                              <a:rPr lang="en-US" altLang="zh-CN" sz="1600" b="1" i="1">
                                 <a:latin typeface="Cambria Math" panose="02040503050406030204" pitchFamily="18" charset="0"/>
                               </a:rPr>
-                              <m:t>𝑜𝑢𝑡</m:t>
+                              <m:t>𝒐𝒖𝒕</m:t>
                             </m:r>
                           </m:sub>
                         </m:sSub>
                         <m:d>
                           <m:dPr>
                             <m:ctrlPr>
-                              <a:rPr lang="en-US" altLang="zh-CN" sz="1600" i="1">
+                              <a:rPr lang="en-US" altLang="zh-CN" sz="1600" b="1" i="1">
                                 <a:latin typeface="Cambria Math" panose="02040503050406030204" pitchFamily="18" charset="0"/>
                               </a:rPr>
                             </m:ctrlPr>
                           </m:dPr>
                           <m:e>
                             <m:r>
-                              <a:rPr lang="en-US" altLang="zh-CN" sz="1600" i="1">
+                              <a:rPr lang="en-US" altLang="zh-CN" sz="1600" b="1" i="1">
                                 <a:latin typeface="Cambria Math" panose="02040503050406030204" pitchFamily="18" charset="0"/>
                               </a:rPr>
-                              <m:t>𝑗</m:t>
+                              <m:t>𝒋</m:t>
                             </m:r>
                           </m:e>
                         </m:d>
                         <m:r>
-                          <a:rPr lang="en-US" altLang="zh-CN" sz="1600" i="1">
+                          <a:rPr lang="en-US" altLang="zh-CN" sz="1600" b="1" i="1">
                             <a:latin typeface="Cambria Math" panose="02040503050406030204" pitchFamily="18" charset="0"/>
                           </a:rPr>
                           <m:t>=</m:t>
@@ -7999,7 +6977,7 @@
                           <m:naryPr>
                             <m:chr m:val="∑"/>
                             <m:ctrlPr>
-                              <a:rPr lang="en-US" altLang="zh-CN" sz="1600" i="1">
+                              <a:rPr lang="en-US" altLang="zh-CN" sz="1600" b="1" i="1">
                                 <a:latin typeface="Cambria Math" panose="02040503050406030204" pitchFamily="18" charset="0"/>
                               </a:rPr>
                             </m:ctrlPr>
@@ -8009,55 +6987,67 @@
                               <m:rPr>
                                 <m:brk m:alnAt="23"/>
                               </m:rPr>
-                              <a:rPr lang="en-US" altLang="zh-CN" sz="1600" i="1">
+                              <a:rPr lang="en-US" altLang="zh-CN" sz="1600" b="1" i="1">
                                 <a:latin typeface="Cambria Math" panose="02040503050406030204" pitchFamily="18" charset="0"/>
                               </a:rPr>
-                              <m:t>𝑖</m:t>
+                              <m:t>𝒊</m:t>
                             </m:r>
                             <m:r>
-                              <a:rPr lang="en-US" altLang="zh-CN" sz="1600" i="1">
+                              <a:rPr lang="en-US" altLang="zh-CN" sz="1600" b="1" i="1">
                                 <a:latin typeface="Cambria Math" panose="02040503050406030204" pitchFamily="18" charset="0"/>
                               </a:rPr>
-                              <m:t>=1</m:t>
+                              <m:t>=</m:t>
+                            </m:r>
+                            <m:r>
+                              <a:rPr lang="en-US" altLang="zh-CN" sz="1600" b="1" i="1">
+                                <a:latin typeface="Cambria Math" panose="02040503050406030204" pitchFamily="18" charset="0"/>
+                              </a:rPr>
+                              <m:t>𝟏</m:t>
                             </m:r>
                           </m:sub>
                           <m:sup>
                             <m:r>
-                              <a:rPr lang="en-US" altLang="zh-CN" sz="1600" i="1">
+                              <a:rPr lang="en-US" altLang="zh-CN" sz="1600" b="1" i="1">
                                 <a:latin typeface="Cambria Math" panose="02040503050406030204" pitchFamily="18" charset="0"/>
                               </a:rPr>
-                              <m:t>𝑀</m:t>
+                              <m:t>𝑴</m:t>
                             </m:r>
                             <m:r>
-                              <a:rPr lang="en-US" altLang="zh-CN" sz="1600" i="1">
+                              <a:rPr lang="en-US" altLang="zh-CN" sz="1600" b="1" i="1">
                                 <a:latin typeface="Cambria Math" panose="02040503050406030204" pitchFamily="18" charset="0"/>
                               </a:rPr>
-                              <m:t>−1</m:t>
+                              <m:t>−</m:t>
+                            </m:r>
+                            <m:r>
+                              <a:rPr lang="en-US" altLang="zh-CN" sz="1600" b="1" i="1">
+                                <a:latin typeface="Cambria Math" panose="02040503050406030204" pitchFamily="18" charset="0"/>
+                              </a:rPr>
+                              <m:t>𝟏</m:t>
                             </m:r>
                           </m:sup>
                           <m:e>
                             <m:r>
-                              <a:rPr lang="en-US" altLang="zh-CN" sz="1600" i="1">
+                              <a:rPr lang="en-US" altLang="zh-CN" sz="1600" b="1" i="1">
                                 <a:latin typeface="Cambria Math" panose="02040503050406030204" pitchFamily="18" charset="0"/>
                               </a:rPr>
-                              <m:t>𝑐𝑜𝑛𝑣</m:t>
+                              <m:t>𝒄𝒐𝒏𝒗</m:t>
                             </m:r>
                             <m:r>
-                              <a:rPr lang="en-US" altLang="zh-CN" sz="1600" i="1">
+                              <a:rPr lang="en-US" altLang="zh-CN" sz="1600" b="1" i="1">
                                 <a:latin typeface="Cambria Math" panose="02040503050406030204" pitchFamily="18" charset="0"/>
                               </a:rPr>
-                              <m:t>2</m:t>
+                              <m:t>𝟐</m:t>
                             </m:r>
                             <m:r>
-                              <a:rPr lang="en-US" altLang="zh-CN" sz="1600" i="1">
+                              <a:rPr lang="en-US" altLang="zh-CN" sz="1600" b="1" i="1">
                                 <a:latin typeface="Cambria Math" panose="02040503050406030204" pitchFamily="18" charset="0"/>
                               </a:rPr>
-                              <m:t>𝑑</m:t>
+                              <m:t>𝒅</m:t>
                             </m:r>
                             <m:d>
                               <m:dPr>
                                 <m:ctrlPr>
-                                  <a:rPr lang="en-US" altLang="zh-CN" sz="1600" i="1">
+                                  <a:rPr lang="en-US" altLang="zh-CN" sz="1600" b="1" i="1">
                                     <a:latin typeface="Cambria Math" panose="02040503050406030204" pitchFamily="18" charset="0"/>
                                   </a:rPr>
                                 </m:ctrlPr>
@@ -8066,47 +7056,47 @@
                                 <m:sSub>
                                   <m:sSubPr>
                                     <m:ctrlPr>
-                                      <a:rPr lang="en-US" altLang="zh-CN" sz="1600" i="1">
+                                      <a:rPr lang="en-US" altLang="zh-CN" sz="1600" b="1" i="1">
                                         <a:latin typeface="Cambria Math" panose="02040503050406030204" pitchFamily="18" charset="0"/>
                                       </a:rPr>
                                     </m:ctrlPr>
                                   </m:sSubPr>
                                   <m:e>
                                     <m:r>
-                                      <a:rPr lang="en-US" altLang="zh-CN" sz="1600" i="1">
+                                      <a:rPr lang="en-US" altLang="zh-CN" sz="1600" b="1" i="1">
                                         <a:latin typeface="Cambria Math" panose="02040503050406030204" pitchFamily="18" charset="0"/>
                                       </a:rPr>
-                                      <m:t>𝐹</m:t>
+                                      <m:t>𝑭</m:t>
                                     </m:r>
                                   </m:e>
                                   <m:sub>
                                     <m:r>
-                                      <a:rPr lang="en-US" altLang="zh-CN" sz="1600" i="1">
+                                      <a:rPr lang="en-US" altLang="zh-CN" sz="1600" b="1" i="1">
                                         <a:latin typeface="Cambria Math" panose="02040503050406030204" pitchFamily="18" charset="0"/>
                                       </a:rPr>
-                                      <m:t>𝑖𝑛</m:t>
+                                      <m:t>𝒊𝒏</m:t>
                                     </m:r>
                                   </m:sub>
                                 </m:sSub>
                                 <m:d>
                                   <m:dPr>
                                     <m:ctrlPr>
-                                      <a:rPr lang="en-US" altLang="zh-CN" sz="1600" i="1">
+                                      <a:rPr lang="en-US" altLang="zh-CN" sz="1600" b="1" i="1">
                                         <a:latin typeface="Cambria Math" panose="02040503050406030204" pitchFamily="18" charset="0"/>
                                       </a:rPr>
                                     </m:ctrlPr>
                                   </m:dPr>
                                   <m:e>
                                     <m:r>
-                                      <a:rPr lang="en-US" altLang="zh-CN" sz="1600" i="1">
+                                      <a:rPr lang="en-US" altLang="zh-CN" sz="1600" b="1" i="1">
                                         <a:latin typeface="Cambria Math" panose="02040503050406030204" pitchFamily="18" charset="0"/>
                                       </a:rPr>
-                                      <m:t>𝑖</m:t>
+                                      <m:t>𝒊</m:t>
                                     </m:r>
                                   </m:e>
                                 </m:d>
                                 <m:r>
-                                  <a:rPr lang="en-US" altLang="zh-CN" sz="1600" i="1">
+                                  <a:rPr lang="en-US" altLang="zh-CN" sz="1600" b="1" i="1">
                                     <a:latin typeface="Cambria Math" panose="02040503050406030204" pitchFamily="18" charset="0"/>
                                   </a:rPr>
                                   <m:t>, </m:t>
@@ -8114,32 +7104,32 @@
                                 <m:sSub>
                                   <m:sSubPr>
                                     <m:ctrlPr>
-                                      <a:rPr lang="en-US" altLang="zh-CN" sz="1600" i="1">
+                                      <a:rPr lang="en-US" altLang="zh-CN" sz="1600" b="1" i="1">
                                         <a:latin typeface="Cambria Math" panose="02040503050406030204" pitchFamily="18" charset="0"/>
                                       </a:rPr>
                                     </m:ctrlPr>
                                   </m:sSubPr>
                                   <m:e>
                                     <m:r>
-                                      <a:rPr lang="en-US" altLang="zh-CN" sz="1600" i="1">
+                                      <a:rPr lang="en-US" altLang="zh-CN" sz="1600" b="1" i="1">
                                         <a:latin typeface="Cambria Math" panose="02040503050406030204" pitchFamily="18" charset="0"/>
                                       </a:rPr>
-                                      <m:t>𝐾</m:t>
+                                      <m:t>𝑲</m:t>
                                     </m:r>
                                   </m:e>
                                   <m:sub>
                                     <m:r>
-                                      <a:rPr lang="en-US" altLang="zh-CN" sz="1600" i="1">
+                                      <a:rPr lang="en-US" altLang="zh-CN" sz="1600" b="1" i="1">
                                         <a:latin typeface="Cambria Math" panose="02040503050406030204" pitchFamily="18" charset="0"/>
                                       </a:rPr>
-                                      <m:t>𝑖𝑗</m:t>
+                                      <m:t>𝒊𝒋</m:t>
                                     </m:r>
                                   </m:sub>
                                 </m:sSub>
                               </m:e>
                             </m:d>
                             <m:r>
-                              <a:rPr lang="en-US" altLang="zh-CN" sz="1600" i="1">
+                              <a:rPr lang="en-US" altLang="zh-CN" sz="1600" b="1" i="1">
                                 <a:latin typeface="Cambria Math" panose="02040503050406030204" pitchFamily="18" charset="0"/>
                               </a:rPr>
                               <m:t>+</m:t>
@@ -8147,25 +7137,25 @@
                             <m:sSub>
                               <m:sSubPr>
                                 <m:ctrlPr>
-                                  <a:rPr lang="en-US" altLang="zh-CN" sz="1600" i="1">
+                                  <a:rPr lang="en-US" altLang="zh-CN" sz="1600" b="1" i="1">
                                     <a:latin typeface="Cambria Math" panose="02040503050406030204" pitchFamily="18" charset="0"/>
                                   </a:rPr>
                                 </m:ctrlPr>
                               </m:sSubPr>
                               <m:e>
                                 <m:r>
-                                  <a:rPr lang="en-US" altLang="zh-CN" sz="1600" i="1">
+                                  <a:rPr lang="en-US" altLang="zh-CN" sz="1600" b="1" i="1">
                                     <a:latin typeface="Cambria Math" panose="02040503050406030204" pitchFamily="18" charset="0"/>
                                   </a:rPr>
-                                  <m:t>𝑏</m:t>
+                                  <m:t>𝒃</m:t>
                                 </m:r>
                               </m:e>
                               <m:sub>
                                 <m:r>
-                                  <a:rPr lang="en-US" altLang="zh-CN" sz="1600" i="1">
+                                  <a:rPr lang="en-US" altLang="zh-CN" sz="1600" b="1" i="1">
                                     <a:latin typeface="Cambria Math" panose="02040503050406030204" pitchFamily="18" charset="0"/>
                                   </a:rPr>
-                                  <m:t>𝑗</m:t>
+                                  <m:t>𝒋</m:t>
                                 </m:r>
                               </m:sub>
                             </m:sSub>
@@ -8174,12 +7164,12 @@
                       </m:oMath>
                     </m:oMathPara>
                   </a14:m>
-                  <a:endParaRPr lang="zh-CN" altLang="en-US" sz="1600" dirty="0"/>
+                  <a:endParaRPr lang="zh-CN" altLang="en-US" sz="1600" b="1" dirty="0"/>
                 </a:p>
               </p:txBody>
             </p:sp>
           </mc:Choice>
-          <mc:Fallback>
+          <mc:Fallback xmlns="">
             <p:sp>
               <p:nvSpPr>
                 <p:cNvPr id="151" name="文本框 150"/>
@@ -8191,7 +7181,7 @@
               <p:spPr>
                 <a:xfrm>
                   <a:off x="6478884" y="1521223"/>
-                  <a:ext cx="3044338" cy="664317"/>
+                  <a:ext cx="3178048" cy="669420"/>
                 </a:xfrm>
                 <a:prstGeom prst="rect">
                   <a:avLst/>
@@ -8241,20 +7231,20 @@
             <a:lstStyle/>
             <a:p>
               <a:r>
-                <a:rPr lang="en-US" altLang="zh-CN" sz="2126" i="1" dirty="0" err="1">
+                <a:rPr lang="en-US" altLang="zh-CN" sz="2126" b="1" i="1" dirty="0" err="1">
                   <a:latin typeface="Times New Roman" panose="02020603050405020304" pitchFamily="18" charset="0"/>
                   <a:cs typeface="Times New Roman" panose="02020603050405020304" pitchFamily="18" charset="0"/>
                 </a:rPr>
                 <a:t>i</a:t>
               </a:r>
               <a:r>
-                <a:rPr lang="en-US" altLang="zh-CN" sz="2126" i="1" dirty="0">
+                <a:rPr lang="en-US" altLang="zh-CN" sz="2126" b="1" i="1" dirty="0">
                   <a:latin typeface="Times New Roman" panose="02020603050405020304" pitchFamily="18" charset="0"/>
                   <a:cs typeface="Times New Roman" panose="02020603050405020304" pitchFamily="18" charset="0"/>
                 </a:rPr>
                 <a:t>=0,1,2,3</a:t>
               </a:r>
-              <a:endParaRPr lang="zh-CN" altLang="en-US" sz="2126" i="1" dirty="0">
+              <a:endParaRPr lang="zh-CN" altLang="en-US" sz="2126" b="1" i="1" dirty="0">
                 <a:latin typeface="Times New Roman" panose="02020603050405020304" pitchFamily="18" charset="0"/>
                 <a:cs typeface="Times New Roman" panose="02020603050405020304" pitchFamily="18" charset="0"/>
               </a:endParaRPr>
@@ -8284,21 +7274,21 @@
             <a:lstStyle/>
             <a:p>
               <a:r>
-                <a:rPr lang="en-US" altLang="zh-CN" sz="2126" i="1" dirty="0">
+                <a:rPr lang="en-US" altLang="zh-CN" sz="2126" b="1" i="1" dirty="0">
                   <a:latin typeface="Times New Roman" panose="02020603050405020304" pitchFamily="18" charset="0"/>
                   <a:cs typeface="Times New Roman" panose="02020603050405020304" pitchFamily="18" charset="0"/>
                 </a:rPr>
                 <a:t>j=0,1</a:t>
               </a:r>
-              <a:endParaRPr lang="zh-CN" altLang="en-US" sz="2126" i="1" dirty="0">
+              <a:endParaRPr lang="zh-CN" altLang="en-US" sz="2126" b="1" i="1" dirty="0">
                 <a:latin typeface="Times New Roman" panose="02020603050405020304" pitchFamily="18" charset="0"/>
                 <a:cs typeface="Times New Roman" panose="02020603050405020304" pitchFamily="18" charset="0"/>
               </a:endParaRPr>
             </a:p>
           </p:txBody>
         </p:sp>
-        <mc:AlternateContent xmlns:mc="http://schemas.openxmlformats.org/markup-compatibility/2006">
-          <mc:Choice xmlns:a14="http://schemas.microsoft.com/office/drawing/2010/main" Requires="a14">
+        <mc:AlternateContent xmlns:mc="http://schemas.openxmlformats.org/markup-compatibility/2006" xmlns:a14="http://schemas.microsoft.com/office/drawing/2010/main">
+          <mc:Choice Requires="a14">
             <p:sp>
               <p:nvSpPr>
                 <p:cNvPr id="159" name="文本框 158"/>
@@ -8308,7 +7298,7 @@
               <p:spPr>
                 <a:xfrm>
                   <a:off x="4957306" y="2989776"/>
-                  <a:ext cx="518120" cy="355149"/>
+                  <a:ext cx="536415" cy="355149"/>
                 </a:xfrm>
                 <a:prstGeom prst="rect">
                   <a:avLst/>
@@ -8323,6 +7313,7 @@
                 </a:bodyPr>
                 <a:lstStyle/>
                 <a:p>
+                  <a:pPr/>
                   <a14:m>
                     <m:oMathPara xmlns:m="http://schemas.openxmlformats.org/officeDocument/2006/math">
                       <m:oMathParaPr>
@@ -8332,37 +7323,37 @@
                         <m:sSub>
                           <m:sSubPr>
                             <m:ctrlPr>
-                              <a:rPr lang="en-US" altLang="zh-CN" sz="2126" i="1">
+                              <a:rPr lang="en-US" altLang="zh-CN" sz="2126" b="1" i="1" smtClean="0">
                                 <a:latin typeface="Cambria Math" panose="02040503050406030204" pitchFamily="18" charset="0"/>
                               </a:rPr>
                             </m:ctrlPr>
                           </m:sSubPr>
                           <m:e>
                             <m:r>
-                              <a:rPr lang="en-US" altLang="zh-CN" sz="2126" i="1">
+                              <a:rPr lang="en-US" altLang="zh-CN" sz="2126" b="1" i="1">
                                 <a:latin typeface="Cambria Math" panose="02040503050406030204" pitchFamily="18" charset="0"/>
                               </a:rPr>
-                              <m:t>𝐹</m:t>
+                              <m:t>𝑭</m:t>
                             </m:r>
                           </m:e>
                           <m:sub>
                             <m:r>
-                              <a:rPr lang="en-US" altLang="zh-CN" sz="2126" i="1">
+                              <a:rPr lang="en-US" altLang="zh-CN" sz="2126" b="1" i="1">
                                 <a:latin typeface="Cambria Math" panose="02040503050406030204" pitchFamily="18" charset="0"/>
                               </a:rPr>
-                              <m:t>𝑖𝑛</m:t>
+                              <m:t>𝒊𝒏</m:t>
                             </m:r>
                           </m:sub>
                         </m:sSub>
                       </m:oMath>
                     </m:oMathPara>
                   </a14:m>
-                  <a:endParaRPr lang="zh-CN" altLang="en-US" sz="2126" dirty="0"/>
+                  <a:endParaRPr lang="zh-CN" altLang="en-US" sz="2126" b="1" dirty="0"/>
                 </a:p>
               </p:txBody>
             </p:sp>
           </mc:Choice>
-          <mc:Fallback>
+          <mc:Fallback xmlns="">
             <p:sp>
               <p:nvSpPr>
                 <p:cNvPr id="159" name="文本框 158"/>
@@ -8374,7 +7365,7 @@
               <p:spPr>
                 <a:xfrm>
                   <a:off x="4957306" y="2989776"/>
-                  <a:ext cx="518120" cy="355149"/>
+                  <a:ext cx="536415" cy="355149"/>
                 </a:xfrm>
                 <a:prstGeom prst="rect">
                   <a:avLst/>
@@ -8401,8 +7392,8 @@
             </p:sp>
           </mc:Fallback>
         </mc:AlternateContent>
-        <mc:AlternateContent xmlns:mc="http://schemas.openxmlformats.org/markup-compatibility/2006">
-          <mc:Choice xmlns:a14="http://schemas.microsoft.com/office/drawing/2010/main" Requires="a14">
+        <mc:AlternateContent xmlns:mc="http://schemas.openxmlformats.org/markup-compatibility/2006" xmlns:a14="http://schemas.microsoft.com/office/drawing/2010/main">
+          <mc:Choice Requires="a14">
             <p:sp>
               <p:nvSpPr>
                 <p:cNvPr id="160" name="文本框 159"/>
@@ -8412,7 +7403,7 @@
               <p:spPr>
                 <a:xfrm>
                   <a:off x="7089553" y="2961429"/>
-                  <a:ext cx="633753" cy="355149"/>
+                  <a:ext cx="642276" cy="355149"/>
                 </a:xfrm>
                 <a:prstGeom prst="rect">
                   <a:avLst/>
@@ -8427,6 +7418,7 @@
                 </a:bodyPr>
                 <a:lstStyle/>
                 <a:p>
+                  <a:pPr/>
                   <a14:m>
                     <m:oMathPara xmlns:m="http://schemas.openxmlformats.org/officeDocument/2006/math">
                       <m:oMathParaPr>
@@ -8436,37 +7428,37 @@
                         <m:sSub>
                           <m:sSubPr>
                             <m:ctrlPr>
-                              <a:rPr lang="en-US" altLang="zh-CN" sz="2126" i="1">
+                              <a:rPr lang="en-US" altLang="zh-CN" sz="2126" b="1" i="1" smtClean="0">
                                 <a:latin typeface="Cambria Math" panose="02040503050406030204" pitchFamily="18" charset="0"/>
                               </a:rPr>
                             </m:ctrlPr>
                           </m:sSubPr>
                           <m:e>
                             <m:r>
-                              <a:rPr lang="en-US" altLang="zh-CN" sz="2126" i="1">
+                              <a:rPr lang="en-US" altLang="zh-CN" sz="2126" b="1" i="1">
                                 <a:latin typeface="Cambria Math" panose="02040503050406030204" pitchFamily="18" charset="0"/>
                               </a:rPr>
-                              <m:t>𝐹</m:t>
+                              <m:t>𝑭</m:t>
                             </m:r>
                           </m:e>
                           <m:sub>
                             <m:r>
-                              <a:rPr lang="en-US" altLang="zh-CN" sz="2126" i="1">
+                              <a:rPr lang="en-US" altLang="zh-CN" sz="2126" b="1" i="1">
                                 <a:latin typeface="Cambria Math" panose="02040503050406030204" pitchFamily="18" charset="0"/>
                               </a:rPr>
-                              <m:t>𝑜𝑢𝑡</m:t>
+                              <m:t>𝒐𝒖𝒕</m:t>
                             </m:r>
                           </m:sub>
                         </m:sSub>
                       </m:oMath>
                     </m:oMathPara>
                   </a14:m>
-                  <a:endParaRPr lang="zh-CN" altLang="en-US" sz="2126" dirty="0"/>
+                  <a:endParaRPr lang="zh-CN" altLang="en-US" sz="2126" b="1" dirty="0"/>
                 </a:p>
               </p:txBody>
             </p:sp>
           </mc:Choice>
-          <mc:Fallback>
+          <mc:Fallback xmlns="">
             <p:sp>
               <p:nvSpPr>
                 <p:cNvPr id="160" name="文本框 159"/>
@@ -8478,7 +7470,7 @@
               <p:spPr>
                 <a:xfrm>
                   <a:off x="7089553" y="2961429"/>
-                  <a:ext cx="633753" cy="355149"/>
+                  <a:ext cx="642276" cy="355149"/>
                 </a:xfrm>
                 <a:prstGeom prst="rect">
                   <a:avLst/>
@@ -8514,10 +7506,10 @@
         </p:nvGrpSpPr>
         <p:grpSpPr>
           <a:xfrm>
-            <a:off x="5187784" y="3837461"/>
-            <a:ext cx="4378536" cy="1755638"/>
+            <a:off x="5293328" y="3540999"/>
+            <a:ext cx="4128112" cy="1644438"/>
             <a:chOff x="4921576" y="3906068"/>
-            <a:chExt cx="3707105" cy="1486418"/>
+            <a:chExt cx="3731425" cy="1486418"/>
           </a:xfrm>
         </p:grpSpPr>
         <p:sp>
@@ -9454,7 +8446,7 @@
           <p:spPr>
             <a:xfrm>
               <a:off x="4921576" y="4459958"/>
-              <a:ext cx="258138" cy="355149"/>
+              <a:ext cx="271710" cy="355149"/>
             </a:xfrm>
             <a:prstGeom prst="rect">
               <a:avLst/>
@@ -9468,21 +8460,21 @@
             <a:lstStyle/>
             <a:p>
               <a:r>
-                <a:rPr lang="en-US" altLang="zh-CN" sz="2126" i="1" dirty="0">
+                <a:rPr lang="en-US" altLang="zh-CN" sz="2126" b="1" i="1" dirty="0">
                   <a:latin typeface="Times New Roman" panose="02020603050405020304" pitchFamily="18" charset="0"/>
                   <a:cs typeface="Times New Roman" panose="02020603050405020304" pitchFamily="18" charset="0"/>
                 </a:rPr>
                 <a:t>x</a:t>
               </a:r>
-              <a:endParaRPr lang="zh-CN" altLang="en-US" sz="2126" i="1" dirty="0">
+              <a:endParaRPr lang="zh-CN" altLang="en-US" sz="2126" b="1" i="1" dirty="0">
                 <a:latin typeface="Times New Roman" panose="02020603050405020304" pitchFamily="18" charset="0"/>
                 <a:cs typeface="Times New Roman" panose="02020603050405020304" pitchFamily="18" charset="0"/>
               </a:endParaRPr>
             </a:p>
           </p:txBody>
         </p:sp>
-        <mc:AlternateContent xmlns:mc="http://schemas.openxmlformats.org/markup-compatibility/2006">
-          <mc:Choice xmlns:a14="http://schemas.microsoft.com/office/drawing/2010/main" Requires="a14">
+        <mc:AlternateContent xmlns:mc="http://schemas.openxmlformats.org/markup-compatibility/2006" xmlns:a14="http://schemas.microsoft.com/office/drawing/2010/main">
+          <mc:Choice Requires="a14">
             <p:sp>
               <p:nvSpPr>
                 <p:cNvPr id="194" name="文本框 193"/>
@@ -9492,7 +8484,7 @@
               <p:spPr>
                 <a:xfrm>
                   <a:off x="7305041" y="4475347"/>
-                  <a:ext cx="1323640" cy="338755"/>
+                  <a:ext cx="1347960" cy="338755"/>
                 </a:xfrm>
                 <a:prstGeom prst="rect">
                   <a:avLst/>
@@ -9505,6 +8497,7 @@
                 </a:bodyPr>
                 <a:lstStyle/>
                 <a:p>
+                  <a:pPr/>
                   <a14:m>
                     <m:oMathPara xmlns:m="http://schemas.openxmlformats.org/officeDocument/2006/math">
                       <m:oMathParaPr>
@@ -9512,44 +8505,44 @@
                       </m:oMathParaPr>
                       <m:oMath xmlns:m="http://schemas.openxmlformats.org/officeDocument/2006/math">
                         <m:r>
-                          <a:rPr lang="en-US" altLang="zh-CN" sz="2000" i="1">
+                          <a:rPr lang="en-US" altLang="zh-CN" sz="2000" b="1" i="1">
                             <a:latin typeface="Cambria Math" panose="02040503050406030204" pitchFamily="18" charset="0"/>
                           </a:rPr>
-                          <m:t>𝑦</m:t>
+                          <m:t>𝒚</m:t>
                         </m:r>
                         <m:r>
-                          <a:rPr lang="en-US" altLang="zh-CN" sz="2000" i="1">
+                          <a:rPr lang="en-US" altLang="zh-CN" sz="2000" b="1" i="1">
                             <a:latin typeface="Cambria Math" panose="02040503050406030204" pitchFamily="18" charset="0"/>
                           </a:rPr>
                           <m:t>=</m:t>
                         </m:r>
                         <m:r>
-                          <a:rPr lang="en-US" altLang="zh-CN" sz="2000" i="1">
+                          <a:rPr lang="en-US" altLang="zh-CN" sz="2000" b="1" i="1">
                             <a:latin typeface="Cambria Math" panose="02040503050406030204" pitchFamily="18" charset="0"/>
                           </a:rPr>
-                          <m:t>𝑊𝑥</m:t>
+                          <m:t>𝑾𝒙</m:t>
                         </m:r>
                         <m:r>
-                          <a:rPr lang="en-US" altLang="zh-CN" sz="2000" i="1">
+                          <a:rPr lang="en-US" altLang="zh-CN" sz="2000" b="1" i="1">
                             <a:latin typeface="Cambria Math" panose="02040503050406030204" pitchFamily="18" charset="0"/>
                           </a:rPr>
                           <m:t>+</m:t>
                         </m:r>
                         <m:r>
-                          <a:rPr lang="en-US" altLang="zh-CN" sz="2000" i="1">
+                          <a:rPr lang="en-US" altLang="zh-CN" sz="2000" b="1" i="1">
                             <a:latin typeface="Cambria Math" panose="02040503050406030204" pitchFamily="18" charset="0"/>
                           </a:rPr>
-                          <m:t>𝑏</m:t>
+                          <m:t>𝒃</m:t>
                         </m:r>
                       </m:oMath>
                     </m:oMathPara>
                   </a14:m>
-                  <a:endParaRPr lang="zh-CN" altLang="en-US" sz="2000" dirty="0"/>
+                  <a:endParaRPr lang="zh-CN" altLang="en-US" sz="2000" b="1" dirty="0"/>
                 </a:p>
               </p:txBody>
             </p:sp>
           </mc:Choice>
-          <mc:Fallback>
+          <mc:Fallback xmlns="">
             <p:sp>
               <p:nvSpPr>
                 <p:cNvPr id="194" name="文本框 193"/>
@@ -9561,7 +8554,7 @@
               <p:spPr>
                 <a:xfrm>
                   <a:off x="7305041" y="4475347"/>
-                  <a:ext cx="1323640" cy="338755"/>
+                  <a:ext cx="1347960" cy="338755"/>
                 </a:xfrm>
                 <a:prstGeom prst="rect">
                   <a:avLst/>
@@ -9569,7 +8562,7 @@
                 <a:blipFill>
                   <a:blip r:embed="rId5"/>
                   <a:stretch>
-                    <a:fillRect b="-7692"/>
+                    <a:fillRect b="-9231"/>
                   </a:stretch>
                 </a:blipFill>
               </p:spPr>
@@ -9589,26 +8582,215 @@
           </mc:Fallback>
         </mc:AlternateContent>
       </p:grpSp>
+      <p:graphicFrame>
+        <p:nvGraphicFramePr>
+          <p:cNvPr id="108" name="图表 107"/>
+          <p:cNvGraphicFramePr>
+            <a:graphicFrameLocks/>
+          </p:cNvGraphicFramePr>
+          <p:nvPr>
+            <p:extLst>
+              <p:ext uri="{D42A27DB-BD31-4B8C-83A1-F6EECF244321}">
+                <p14:modId xmlns:p14="http://schemas.microsoft.com/office/powerpoint/2010/main" val="2662076420"/>
+              </p:ext>
+            </p:extLst>
+          </p:nvPr>
+        </p:nvGraphicFramePr>
+        <p:xfrm>
+          <a:off x="10590185" y="730984"/>
+          <a:ext cx="3188725" cy="2569450"/>
+        </p:xfrm>
+        <a:graphic>
+          <a:graphicData uri="http://schemas.openxmlformats.org/drawingml/2006/chart">
+            <c:chart xmlns:c="http://schemas.openxmlformats.org/drawingml/2006/chart" xmlns:r="http://schemas.openxmlformats.org/officeDocument/2006/relationships" r:id="rId6"/>
+          </a:graphicData>
+        </a:graphic>
+      </p:graphicFrame>
+      <p:graphicFrame>
+        <p:nvGraphicFramePr>
+          <p:cNvPr id="110" name="图表 109"/>
+          <p:cNvGraphicFramePr>
+            <a:graphicFrameLocks/>
+          </p:cNvGraphicFramePr>
+          <p:nvPr>
+            <p:extLst>
+              <p:ext uri="{D42A27DB-BD31-4B8C-83A1-F6EECF244321}">
+                <p14:modId xmlns:p14="http://schemas.microsoft.com/office/powerpoint/2010/main" val="2766234439"/>
+              </p:ext>
+            </p:extLst>
+          </p:nvPr>
+        </p:nvGraphicFramePr>
+        <p:xfrm>
+          <a:off x="10590185" y="3263789"/>
+          <a:ext cx="3190768" cy="2563551"/>
+        </p:xfrm>
+        <a:graphic>
+          <a:graphicData uri="http://schemas.openxmlformats.org/drawingml/2006/chart">
+            <c:chart xmlns:c="http://schemas.openxmlformats.org/drawingml/2006/chart" xmlns:r="http://schemas.openxmlformats.org/officeDocument/2006/relationships" r:id="rId7"/>
+          </a:graphicData>
+        </a:graphic>
+      </p:graphicFrame>
+      <p:sp>
+        <p:nvSpPr>
+          <p:cNvPr id="7" name="文本框 6"/>
+          <p:cNvSpPr txBox="1"/>
+          <p:nvPr/>
+        </p:nvSpPr>
+        <p:spPr>
+          <a:xfrm>
+            <a:off x="11692154" y="2484753"/>
+            <a:ext cx="977698" cy="345939"/>
+          </a:xfrm>
+          <a:prstGeom prst="rect">
+            <a:avLst/>
+          </a:prstGeom>
+          <a:noFill/>
+        </p:spPr>
+        <p:txBody>
+          <a:bodyPr wrap="none" rtlCol="0">
+            <a:spAutoFit/>
+          </a:bodyPr>
+          <a:lstStyle/>
+          <a:p>
+            <a:r>
+              <a:rPr lang="en-US" altLang="zh-CN" b="1" dirty="0" smtClean="0"/>
+              <a:t>FC 93.1%</a:t>
+            </a:r>
+            <a:endParaRPr lang="zh-CN" altLang="en-US" b="1" dirty="0"/>
+          </a:p>
+        </p:txBody>
+      </p:sp>
+      <p:sp>
+        <p:nvSpPr>
+          <p:cNvPr id="112" name="文本框 111"/>
+          <p:cNvSpPr txBox="1"/>
+          <p:nvPr/>
+        </p:nvSpPr>
+        <p:spPr>
+          <a:xfrm>
+            <a:off x="10717815" y="3854165"/>
+            <a:ext cx="606895" cy="605393"/>
+          </a:xfrm>
+          <a:prstGeom prst="rect">
+            <a:avLst/>
+          </a:prstGeom>
+          <a:noFill/>
+        </p:spPr>
+        <p:txBody>
+          <a:bodyPr wrap="none" rtlCol="0">
+            <a:spAutoFit/>
+          </a:bodyPr>
+          <a:lstStyle/>
+          <a:p>
+            <a:pPr algn="ctr"/>
+            <a:r>
+              <a:rPr lang="en-US" altLang="zh-CN" b="1" dirty="0" smtClean="0"/>
+              <a:t>FC</a:t>
+            </a:r>
+          </a:p>
+          <a:p>
+            <a:pPr algn="ctr"/>
+            <a:r>
+              <a:rPr lang="en-US" altLang="zh-CN" b="1" dirty="0" smtClean="0"/>
+              <a:t>1.6%</a:t>
+            </a:r>
+            <a:endParaRPr lang="zh-CN" altLang="en-US" b="1" dirty="0"/>
+          </a:p>
+        </p:txBody>
+      </p:sp>
+      <p:sp>
+        <p:nvSpPr>
+          <p:cNvPr id="113" name="文本框 112"/>
+          <p:cNvSpPr txBox="1"/>
+          <p:nvPr/>
+        </p:nvSpPr>
+        <p:spPr>
+          <a:xfrm>
+            <a:off x="12971921" y="1195174"/>
+            <a:ext cx="701427" cy="605393"/>
+          </a:xfrm>
+          <a:prstGeom prst="rect">
+            <a:avLst/>
+          </a:prstGeom>
+          <a:noFill/>
+        </p:spPr>
+        <p:txBody>
+          <a:bodyPr wrap="none" rtlCol="0">
+            <a:spAutoFit/>
+          </a:bodyPr>
+          <a:lstStyle/>
+          <a:p>
+            <a:pPr algn="ctr"/>
+            <a:r>
+              <a:rPr lang="en-US" altLang="zh-CN" b="1" dirty="0" smtClean="0"/>
+              <a:t>CONV</a:t>
+            </a:r>
+          </a:p>
+          <a:p>
+            <a:pPr algn="ctr"/>
+            <a:r>
+              <a:rPr lang="en-US" altLang="zh-CN" b="1" dirty="0" smtClean="0"/>
+              <a:t>6.9%</a:t>
+            </a:r>
+            <a:endParaRPr lang="zh-CN" altLang="en-US" b="1" dirty="0"/>
+          </a:p>
+        </p:txBody>
+      </p:sp>
+      <p:sp>
+        <p:nvSpPr>
+          <p:cNvPr id="114" name="文本框 113"/>
+          <p:cNvSpPr txBox="1"/>
+          <p:nvPr/>
+        </p:nvSpPr>
+        <p:spPr>
+          <a:xfrm>
+            <a:off x="11822751" y="4956195"/>
+            <a:ext cx="716502" cy="605393"/>
+          </a:xfrm>
+          <a:prstGeom prst="rect">
+            <a:avLst/>
+          </a:prstGeom>
+          <a:noFill/>
+        </p:spPr>
+        <p:txBody>
+          <a:bodyPr wrap="none" rtlCol="0">
+            <a:spAutoFit/>
+          </a:bodyPr>
+          <a:lstStyle/>
+          <a:p>
+            <a:pPr algn="ctr"/>
+            <a:r>
+              <a:rPr lang="en-US" altLang="zh-CN" b="1" dirty="0" smtClean="0"/>
+              <a:t>CONV</a:t>
+            </a:r>
+          </a:p>
+          <a:p>
+            <a:pPr algn="ctr"/>
+            <a:r>
+              <a:rPr lang="en-US" altLang="zh-CN" b="1" dirty="0" smtClean="0"/>
+              <a:t>98.2%</a:t>
+            </a:r>
+            <a:endParaRPr lang="zh-CN" altLang="en-US" b="1" dirty="0"/>
+          </a:p>
+        </p:txBody>
+      </p:sp>
       <p:cxnSp>
         <p:nvCxnSpPr>
-          <p:cNvPr id="199" name="直接连接符 198"/>
+          <p:cNvPr id="11" name="直接连接符 10"/>
           <p:cNvCxnSpPr/>
           <p:nvPr/>
         </p:nvCxnSpPr>
         <p:spPr>
           <a:xfrm>
-            <a:off x="3910029" y="3560403"/>
-            <a:ext cx="6441819" cy="0"/>
+            <a:off x="11227338" y="4128314"/>
+            <a:ext cx="898807" cy="0"/>
           </a:xfrm>
           <a:prstGeom prst="line">
             <a:avLst/>
           </a:prstGeom>
           <a:ln>
             <a:solidFill>
-              <a:schemeClr val="tx1">
-                <a:lumMod val="95000"/>
-                <a:lumOff val="5000"/>
-              </a:schemeClr>
+              <a:schemeClr val="tx1"/>
             </a:solidFill>
           </a:ln>
         </p:spPr>
@@ -9627,50 +8809,281 @@
           </a:fontRef>
         </p:style>
       </p:cxnSp>
-      <p:graphicFrame>
-        <p:nvGraphicFramePr>
-          <p:cNvPr id="204" name="图表 203"/>
-          <p:cNvGraphicFramePr/>
-          <p:nvPr>
-            <p:extLst>
-              <p:ext uri="{D42A27DB-BD31-4B8C-83A1-F6EECF244321}">
-                <p14:modId xmlns:p14="http://schemas.microsoft.com/office/powerpoint/2010/main" val="1462605354"/>
-              </p:ext>
-            </p:extLst>
-          </p:nvPr>
-        </p:nvGraphicFramePr>
-        <p:xfrm>
-          <a:off x="10644929" y="751626"/>
-          <a:ext cx="3236254" cy="2666129"/>
-        </p:xfrm>
-        <a:graphic>
-          <a:graphicData uri="http://schemas.openxmlformats.org/drawingml/2006/chart">
-            <c:chart xmlns:c="http://schemas.openxmlformats.org/drawingml/2006/chart" xmlns:r="http://schemas.openxmlformats.org/officeDocument/2006/relationships" r:id="rId6"/>
-          </a:graphicData>
-        </a:graphic>
-      </p:graphicFrame>
-      <p:graphicFrame>
-        <p:nvGraphicFramePr>
-          <p:cNvPr id="205" name="图表 204"/>
-          <p:cNvGraphicFramePr/>
-          <p:nvPr>
-            <p:extLst>
-              <p:ext uri="{D42A27DB-BD31-4B8C-83A1-F6EECF244321}">
-                <p14:modId xmlns:p14="http://schemas.microsoft.com/office/powerpoint/2010/main" val="3353194974"/>
-              </p:ext>
-            </p:extLst>
-          </p:nvPr>
-        </p:nvGraphicFramePr>
-        <p:xfrm>
-          <a:off x="10644929" y="3461738"/>
-          <a:ext cx="3236254" cy="2666129"/>
-        </p:xfrm>
-        <a:graphic>
-          <a:graphicData uri="http://schemas.openxmlformats.org/drawingml/2006/chart">
-            <c:chart xmlns:c="http://schemas.openxmlformats.org/drawingml/2006/chart" xmlns:r="http://schemas.openxmlformats.org/officeDocument/2006/relationships" r:id="rId7"/>
-          </a:graphicData>
-        </a:graphic>
-      </p:graphicFrame>
+      <p:cxnSp>
+        <p:nvCxnSpPr>
+          <p:cNvPr id="116" name="直接连接符 115"/>
+          <p:cNvCxnSpPr>
+            <a:endCxn id="113" idx="1"/>
+          </p:cNvCxnSpPr>
+          <p:nvPr/>
+        </p:nvCxnSpPr>
+        <p:spPr>
+          <a:xfrm>
+            <a:off x="12339553" y="1497872"/>
+            <a:ext cx="632368" cy="0"/>
+          </a:xfrm>
+          <a:prstGeom prst="line">
+            <a:avLst/>
+          </a:prstGeom>
+          <a:ln>
+            <a:solidFill>
+              <a:schemeClr val="tx1"/>
+            </a:solidFill>
+          </a:ln>
+        </p:spPr>
+        <p:style>
+          <a:lnRef idx="1">
+            <a:schemeClr val="accent1"/>
+          </a:lnRef>
+          <a:fillRef idx="0">
+            <a:schemeClr val="accent1"/>
+          </a:fillRef>
+          <a:effectRef idx="0">
+            <a:schemeClr val="accent1"/>
+          </a:effectRef>
+          <a:fontRef idx="minor">
+            <a:schemeClr val="tx1"/>
+          </a:fontRef>
+        </p:style>
+      </p:cxnSp>
+      <p:cxnSp>
+        <p:nvCxnSpPr>
+          <p:cNvPr id="26" name="直接连接符 25"/>
+          <p:cNvCxnSpPr/>
+          <p:nvPr/>
+        </p:nvCxnSpPr>
+        <p:spPr>
+          <a:xfrm>
+            <a:off x="12184546" y="3958598"/>
+            <a:ext cx="917485" cy="0"/>
+          </a:xfrm>
+          <a:prstGeom prst="line">
+            <a:avLst/>
+          </a:prstGeom>
+          <a:ln>
+            <a:solidFill>
+              <a:schemeClr val="tx1"/>
+            </a:solidFill>
+          </a:ln>
+        </p:spPr>
+        <p:style>
+          <a:lnRef idx="1">
+            <a:schemeClr val="accent1"/>
+          </a:lnRef>
+          <a:fillRef idx="0">
+            <a:schemeClr val="accent1"/>
+          </a:fillRef>
+          <a:effectRef idx="0">
+            <a:schemeClr val="accent1"/>
+          </a:effectRef>
+          <a:fontRef idx="minor">
+            <a:schemeClr val="tx1"/>
+          </a:fontRef>
+        </p:style>
+      </p:cxnSp>
+      <p:sp>
+        <p:nvSpPr>
+          <p:cNvPr id="125" name="文本框 124"/>
+          <p:cNvSpPr txBox="1"/>
+          <p:nvPr/>
+        </p:nvSpPr>
+        <p:spPr>
+          <a:xfrm>
+            <a:off x="12786652" y="3615262"/>
+            <a:ext cx="1376188" cy="605393"/>
+          </a:xfrm>
+          <a:prstGeom prst="rect">
+            <a:avLst/>
+          </a:prstGeom>
+          <a:noFill/>
+        </p:spPr>
+        <p:txBody>
+          <a:bodyPr wrap="none" rtlCol="0">
+            <a:spAutoFit/>
+          </a:bodyPr>
+          <a:lstStyle/>
+          <a:p>
+            <a:pPr algn="ctr"/>
+            <a:r>
+              <a:rPr lang="en-US" altLang="zh-CN" b="1" dirty="0" smtClean="0"/>
+              <a:t>POOL &amp; </a:t>
+            </a:r>
+            <a:r>
+              <a:rPr lang="en-US" altLang="zh-CN" b="1" dirty="0" err="1" smtClean="0"/>
+              <a:t>ReLU</a:t>
+            </a:r>
+            <a:endParaRPr lang="en-US" altLang="zh-CN" b="1" dirty="0" smtClean="0"/>
+          </a:p>
+          <a:p>
+            <a:pPr algn="ctr"/>
+            <a:r>
+              <a:rPr lang="en-US" altLang="zh-CN" b="1" dirty="0" smtClean="0"/>
+              <a:t>0.2%</a:t>
+            </a:r>
+            <a:endParaRPr lang="zh-CN" altLang="en-US" b="1" dirty="0"/>
+          </a:p>
+        </p:txBody>
+      </p:sp>
+      <p:cxnSp>
+        <p:nvCxnSpPr>
+          <p:cNvPr id="15" name="直接连接符 14"/>
+          <p:cNvCxnSpPr/>
+          <p:nvPr/>
+        </p:nvCxnSpPr>
+        <p:spPr>
+          <a:xfrm>
+            <a:off x="3810000" y="533400"/>
+            <a:ext cx="0" cy="5457825"/>
+          </a:xfrm>
+          <a:prstGeom prst="line">
+            <a:avLst/>
+          </a:prstGeom>
+          <a:ln w="19050">
+            <a:solidFill>
+              <a:schemeClr val="tx1"/>
+            </a:solidFill>
+          </a:ln>
+        </p:spPr>
+        <p:style>
+          <a:lnRef idx="1">
+            <a:schemeClr val="accent1"/>
+          </a:lnRef>
+          <a:fillRef idx="0">
+            <a:schemeClr val="accent1"/>
+          </a:fillRef>
+          <a:effectRef idx="0">
+            <a:schemeClr val="accent1"/>
+          </a:effectRef>
+          <a:fontRef idx="minor">
+            <a:schemeClr val="tx1"/>
+          </a:fontRef>
+        </p:style>
+      </p:cxnSp>
+      <p:cxnSp>
+        <p:nvCxnSpPr>
+          <p:cNvPr id="115" name="直接连接符 114"/>
+          <p:cNvCxnSpPr/>
+          <p:nvPr/>
+        </p:nvCxnSpPr>
+        <p:spPr>
+          <a:xfrm>
+            <a:off x="10580660" y="497266"/>
+            <a:ext cx="0" cy="5457825"/>
+          </a:xfrm>
+          <a:prstGeom prst="line">
+            <a:avLst/>
+          </a:prstGeom>
+          <a:ln w="19050">
+            <a:solidFill>
+              <a:schemeClr val="tx1"/>
+            </a:solidFill>
+          </a:ln>
+        </p:spPr>
+        <p:style>
+          <a:lnRef idx="1">
+            <a:schemeClr val="accent1"/>
+          </a:lnRef>
+          <a:fillRef idx="0">
+            <a:schemeClr val="accent1"/>
+          </a:fillRef>
+          <a:effectRef idx="0">
+            <a:schemeClr val="accent1"/>
+          </a:effectRef>
+          <a:fontRef idx="minor">
+            <a:schemeClr val="tx1"/>
+          </a:fontRef>
+        </p:style>
+      </p:cxnSp>
+      <p:sp>
+        <p:nvSpPr>
+          <p:cNvPr id="17" name="文本框 16"/>
+          <p:cNvSpPr txBox="1"/>
+          <p:nvPr/>
+        </p:nvSpPr>
+        <p:spPr>
+          <a:xfrm>
+            <a:off x="1634905" y="5955091"/>
+            <a:ext cx="529312" cy="461665"/>
+          </a:xfrm>
+          <a:prstGeom prst="rect">
+            <a:avLst/>
+          </a:prstGeom>
+          <a:noFill/>
+        </p:spPr>
+        <p:txBody>
+          <a:bodyPr wrap="none" rtlCol="0">
+            <a:spAutoFit/>
+          </a:bodyPr>
+          <a:lstStyle/>
+          <a:p>
+            <a:r>
+              <a:rPr lang="en-US" altLang="zh-CN" sz="2400" b="1" dirty="0" smtClean="0"/>
+              <a:t>(a)</a:t>
+            </a:r>
+            <a:endParaRPr lang="zh-CN" altLang="en-US" sz="2400" b="1" dirty="0"/>
+          </a:p>
+        </p:txBody>
+      </p:sp>
+      <p:sp>
+        <p:nvSpPr>
+          <p:cNvPr id="117" name="文本框 116"/>
+          <p:cNvSpPr txBox="1"/>
+          <p:nvPr/>
+        </p:nvSpPr>
+        <p:spPr>
+          <a:xfrm>
+            <a:off x="6850602" y="5955091"/>
+            <a:ext cx="542136" cy="461665"/>
+          </a:xfrm>
+          <a:prstGeom prst="rect">
+            <a:avLst/>
+          </a:prstGeom>
+          <a:noFill/>
+        </p:spPr>
+        <p:txBody>
+          <a:bodyPr wrap="none" rtlCol="0">
+            <a:spAutoFit/>
+          </a:bodyPr>
+          <a:lstStyle/>
+          <a:p>
+            <a:r>
+              <a:rPr lang="en-US" altLang="zh-CN" sz="2400" b="1" dirty="0" smtClean="0"/>
+              <a:t>(b)</a:t>
+            </a:r>
+            <a:endParaRPr lang="zh-CN" altLang="en-US" sz="2400" b="1" dirty="0"/>
+          </a:p>
+        </p:txBody>
+      </p:sp>
+      <p:sp>
+        <p:nvSpPr>
+          <p:cNvPr id="118" name="文本框 117"/>
+          <p:cNvSpPr txBox="1"/>
+          <p:nvPr/>
+        </p:nvSpPr>
+        <p:spPr>
+          <a:xfrm>
+            <a:off x="12171684" y="5953908"/>
+            <a:ext cx="505267" cy="461665"/>
+          </a:xfrm>
+          <a:prstGeom prst="rect">
+            <a:avLst/>
+          </a:prstGeom>
+          <a:noFill/>
+        </p:spPr>
+        <p:txBody>
+          <a:bodyPr wrap="none" rtlCol="0">
+            <a:spAutoFit/>
+          </a:bodyPr>
+          <a:lstStyle/>
+          <a:p>
+            <a:r>
+              <a:rPr lang="en-US" altLang="zh-CN" sz="2400" b="1" dirty="0" smtClean="0"/>
+              <a:t>(c)</a:t>
+            </a:r>
+            <a:endParaRPr lang="zh-CN" altLang="en-US" sz="2400" b="1" dirty="0"/>
+          </a:p>
+        </p:txBody>
+      </p:sp>
     </p:spTree>
     <p:extLst>
       <p:ext uri="{BB962C8B-B14F-4D97-AF65-F5344CB8AC3E}">
